--- a/use-case-dhbw-mannheim.pptx
+++ b/use-case-dhbw-mannheim.pptx
@@ -5,7 +5,7 @@
     <p:sldMasterId id="2147483660" r:id="rId1"/>
   </p:sldMasterIdLst>
   <p:sldIdLst>
-    <p:sldId id="256" r:id="rId2"/>
+    <p:sldId id="257" r:id="rId2"/>
   </p:sldIdLst>
   <p:sldSz cx="6858000" cy="9906000" type="A4"/>
   <p:notesSz cx="6858000" cy="9144000"/>
@@ -243,7 +243,7 @@
           <a:p>
             <a:fld id="{728238A1-4FE5-3241-9F89-0E08736B3259}" type="datetimeFigureOut">
               <a:rPr lang="en-DE" smtClean="0"/>
-              <a:t>25.06.21</a:t>
+              <a:t>25.06.24</a:t>
             </a:fld>
             <a:endParaRPr lang="en-DE"/>
           </a:p>
@@ -413,7 +413,7 @@
           <a:p>
             <a:fld id="{728238A1-4FE5-3241-9F89-0E08736B3259}" type="datetimeFigureOut">
               <a:rPr lang="en-DE" smtClean="0"/>
-              <a:t>25.06.21</a:t>
+              <a:t>25.06.24</a:t>
             </a:fld>
             <a:endParaRPr lang="en-DE"/>
           </a:p>
@@ -593,7 +593,7 @@
           <a:p>
             <a:fld id="{728238A1-4FE5-3241-9F89-0E08736B3259}" type="datetimeFigureOut">
               <a:rPr lang="en-DE" smtClean="0"/>
-              <a:t>25.06.21</a:t>
+              <a:t>25.06.24</a:t>
             </a:fld>
             <a:endParaRPr lang="en-DE"/>
           </a:p>
@@ -763,7 +763,7 @@
           <a:p>
             <a:fld id="{728238A1-4FE5-3241-9F89-0E08736B3259}" type="datetimeFigureOut">
               <a:rPr lang="en-DE" smtClean="0"/>
-              <a:t>25.06.21</a:t>
+              <a:t>25.06.24</a:t>
             </a:fld>
             <a:endParaRPr lang="en-DE"/>
           </a:p>
@@ -1007,7 +1007,7 @@
           <a:p>
             <a:fld id="{728238A1-4FE5-3241-9F89-0E08736B3259}" type="datetimeFigureOut">
               <a:rPr lang="en-DE" smtClean="0"/>
-              <a:t>25.06.21</a:t>
+              <a:t>25.06.24</a:t>
             </a:fld>
             <a:endParaRPr lang="en-DE"/>
           </a:p>
@@ -1239,7 +1239,7 @@
           <a:p>
             <a:fld id="{728238A1-4FE5-3241-9F89-0E08736B3259}" type="datetimeFigureOut">
               <a:rPr lang="en-DE" smtClean="0"/>
-              <a:t>25.06.21</a:t>
+              <a:t>25.06.24</a:t>
             </a:fld>
             <a:endParaRPr lang="en-DE"/>
           </a:p>
@@ -1606,7 +1606,7 @@
           <a:p>
             <a:fld id="{728238A1-4FE5-3241-9F89-0E08736B3259}" type="datetimeFigureOut">
               <a:rPr lang="en-DE" smtClean="0"/>
-              <a:t>25.06.21</a:t>
+              <a:t>25.06.24</a:t>
             </a:fld>
             <a:endParaRPr lang="en-DE"/>
           </a:p>
@@ -1724,7 +1724,7 @@
           <a:p>
             <a:fld id="{728238A1-4FE5-3241-9F89-0E08736B3259}" type="datetimeFigureOut">
               <a:rPr lang="en-DE" smtClean="0"/>
-              <a:t>25.06.21</a:t>
+              <a:t>25.06.24</a:t>
             </a:fld>
             <a:endParaRPr lang="en-DE"/>
           </a:p>
@@ -1819,7 +1819,7 @@
           <a:p>
             <a:fld id="{728238A1-4FE5-3241-9F89-0E08736B3259}" type="datetimeFigureOut">
               <a:rPr lang="en-DE" smtClean="0"/>
-              <a:t>25.06.21</a:t>
+              <a:t>25.06.24</a:t>
             </a:fld>
             <a:endParaRPr lang="en-DE"/>
           </a:p>
@@ -2096,7 +2096,7 @@
           <a:p>
             <a:fld id="{728238A1-4FE5-3241-9F89-0E08736B3259}" type="datetimeFigureOut">
               <a:rPr lang="en-DE" smtClean="0"/>
-              <a:t>25.06.21</a:t>
+              <a:t>25.06.24</a:t>
             </a:fld>
             <a:endParaRPr lang="en-DE"/>
           </a:p>
@@ -2353,7 +2353,7 @@
           <a:p>
             <a:fld id="{728238A1-4FE5-3241-9F89-0E08736B3259}" type="datetimeFigureOut">
               <a:rPr lang="en-DE" smtClean="0"/>
-              <a:t>25.06.21</a:t>
+              <a:t>25.06.24</a:t>
             </a:fld>
             <a:endParaRPr lang="en-DE"/>
           </a:p>
@@ -2566,7 +2566,7 @@
           <a:p>
             <a:fld id="{728238A1-4FE5-3241-9F89-0E08736B3259}" type="datetimeFigureOut">
               <a:rPr lang="en-DE" smtClean="0"/>
-              <a:t>25.06.21</a:t>
+              <a:t>25.06.24</a:t>
             </a:fld>
             <a:endParaRPr lang="en-DE"/>
           </a:p>
@@ -2973,10 +2973,10 @@
       </p:grpSpPr>
       <p:sp>
         <p:nvSpPr>
-          <p:cNvPr id="4" name="Rounded Rectangle 3">
+          <p:cNvPr id="2" name="Rounded Rectangle 1">
             <a:extLst>
               <a:ext uri="{FF2B5EF4-FFF2-40B4-BE49-F238E27FC236}">
-                <a16:creationId xmlns:a16="http://schemas.microsoft.com/office/drawing/2014/main" id="{0B34D68F-9199-D24D-9941-1FC430DD6BE0}"/>
+                <a16:creationId xmlns:a16="http://schemas.microsoft.com/office/drawing/2014/main" id="{EB931114-8932-FA2E-91A7-BC1F728C2924}"/>
               </a:ext>
             </a:extLst>
           </p:cNvPr>
@@ -2985,8 +2985,255 @@
         </p:nvSpPr>
         <p:spPr>
           <a:xfrm>
-            <a:off x="138333" y="1389851"/>
-            <a:ext cx="2752381" cy="733316"/>
+            <a:off x="382096" y="1273355"/>
+            <a:ext cx="2542420" cy="2131099"/>
+          </a:xfrm>
+          <a:prstGeom prst="roundRect">
+            <a:avLst>
+              <a:gd name="adj" fmla="val 2753"/>
+            </a:avLst>
+          </a:prstGeom>
+          <a:solidFill>
+            <a:srgbClr val="C00000"/>
+          </a:solidFill>
+          <a:ln>
+            <a:solidFill>
+              <a:schemeClr val="tx1">
+                <a:lumMod val="75000"/>
+                <a:lumOff val="25000"/>
+              </a:schemeClr>
+            </a:solidFill>
+          </a:ln>
+        </p:spPr>
+        <p:style>
+          <a:lnRef idx="2">
+            <a:schemeClr val="accent1">
+              <a:shade val="50000"/>
+            </a:schemeClr>
+          </a:lnRef>
+          <a:fillRef idx="1">
+            <a:schemeClr val="accent1"/>
+          </a:fillRef>
+          <a:effectRef idx="0">
+            <a:schemeClr val="accent1"/>
+          </a:effectRef>
+          <a:fontRef idx="minor">
+            <a:schemeClr val="lt1"/>
+          </a:fontRef>
+        </p:style>
+        <p:txBody>
+          <a:bodyPr rtlCol="0" anchor="t"/>
+          <a:lstStyle/>
+          <a:p>
+            <a:pPr algn="ctr"/>
+            <a:r>
+              <a:rPr lang="en-GB" sz="800" b="1">
+                <a:solidFill>
+                  <a:schemeClr val="bg1"/>
+                </a:solidFill>
+              </a:rPr>
+              <a:t>cloud-ns.dhbw-mannheim.de</a:t>
+            </a:r>
+          </a:p>
+        </p:txBody>
+      </p:sp>
+      <p:sp>
+        <p:nvSpPr>
+          <p:cNvPr id="3" name="Rounded Rectangle 2">
+            <a:extLst>
+              <a:ext uri="{FF2B5EF4-FFF2-40B4-BE49-F238E27FC236}">
+                <a16:creationId xmlns:a16="http://schemas.microsoft.com/office/drawing/2014/main" id="{317747CB-6868-5A34-3C84-7B20F4508D98}"/>
+              </a:ext>
+            </a:extLst>
+          </p:cNvPr>
+          <p:cNvSpPr/>
+          <p:nvPr/>
+        </p:nvSpPr>
+        <p:spPr>
+          <a:xfrm>
+            <a:off x="382096" y="770844"/>
+            <a:ext cx="2542420" cy="212283"/>
+          </a:xfrm>
+          <a:prstGeom prst="roundRect">
+            <a:avLst/>
+          </a:prstGeom>
+          <a:solidFill>
+            <a:srgbClr val="C00000"/>
+          </a:solidFill>
+          <a:ln>
+            <a:solidFill>
+              <a:schemeClr val="tx1">
+                <a:lumMod val="75000"/>
+                <a:lumOff val="25000"/>
+              </a:schemeClr>
+            </a:solidFill>
+          </a:ln>
+        </p:spPr>
+        <p:style>
+          <a:lnRef idx="2">
+            <a:schemeClr val="accent1">
+              <a:shade val="50000"/>
+            </a:schemeClr>
+          </a:lnRef>
+          <a:fillRef idx="1">
+            <a:schemeClr val="accent1"/>
+          </a:fillRef>
+          <a:effectRef idx="0">
+            <a:schemeClr val="accent1"/>
+          </a:effectRef>
+          <a:fontRef idx="minor">
+            <a:schemeClr val="lt1"/>
+          </a:fontRef>
+        </p:style>
+        <p:txBody>
+          <a:bodyPr rtlCol="0" anchor="ctr"/>
+          <a:lstStyle/>
+          <a:p>
+            <a:pPr algn="ctr"/>
+            <a:r>
+              <a:rPr lang="en-GB" sz="800" b="1">
+                <a:solidFill>
+                  <a:schemeClr val="bg1"/>
+                </a:solidFill>
+              </a:rPr>
+              <a:t>dhbw-mannheim.de</a:t>
+            </a:r>
+          </a:p>
+        </p:txBody>
+      </p:sp>
+      <p:cxnSp>
+        <p:nvCxnSpPr>
+          <p:cNvPr id="5" name="Straight Arrow Connector 4">
+            <a:extLst>
+              <a:ext uri="{FF2B5EF4-FFF2-40B4-BE49-F238E27FC236}">
+                <a16:creationId xmlns:a16="http://schemas.microsoft.com/office/drawing/2014/main" id="{FFBDF2A8-3EE0-6551-B2F8-DD8118746DB0}"/>
+              </a:ext>
+            </a:extLst>
+          </p:cNvPr>
+          <p:cNvCxnSpPr>
+            <a:cxnSpLocks/>
+            <a:stCxn id="3" idx="2"/>
+            <a:endCxn id="2" idx="0"/>
+          </p:cNvCxnSpPr>
+          <p:nvPr/>
+        </p:nvCxnSpPr>
+        <p:spPr>
+          <a:xfrm>
+            <a:off x="1653306" y="983127"/>
+            <a:ext cx="0" cy="290228"/>
+          </a:xfrm>
+          <a:prstGeom prst="straightConnector1">
+            <a:avLst/>
+          </a:prstGeom>
+          <a:ln w="38100">
+            <a:solidFill>
+              <a:schemeClr val="tx1">
+                <a:lumMod val="75000"/>
+                <a:lumOff val="25000"/>
+              </a:schemeClr>
+            </a:solidFill>
+            <a:tailEnd type="triangle"/>
+          </a:ln>
+        </p:spPr>
+        <p:style>
+          <a:lnRef idx="1">
+            <a:schemeClr val="accent1"/>
+          </a:lnRef>
+          <a:fillRef idx="0">
+            <a:schemeClr val="accent1"/>
+          </a:fillRef>
+          <a:effectRef idx="0">
+            <a:schemeClr val="accent1"/>
+          </a:effectRef>
+          <a:fontRef idx="minor">
+            <a:schemeClr val="tx1"/>
+          </a:fontRef>
+        </p:style>
+      </p:cxnSp>
+      <p:sp>
+        <p:nvSpPr>
+          <p:cNvPr id="6" name="Rounded Rectangle 5">
+            <a:extLst>
+              <a:ext uri="{FF2B5EF4-FFF2-40B4-BE49-F238E27FC236}">
+                <a16:creationId xmlns:a16="http://schemas.microsoft.com/office/drawing/2014/main" id="{52ABC15B-36D3-B5F8-C34E-C372966162DA}"/>
+              </a:ext>
+            </a:extLst>
+          </p:cNvPr>
+          <p:cNvSpPr/>
+          <p:nvPr/>
+        </p:nvSpPr>
+        <p:spPr>
+          <a:xfrm>
+            <a:off x="273378" y="443060"/>
+            <a:ext cx="2786463" cy="3113228"/>
+          </a:xfrm>
+          <a:prstGeom prst="roundRect">
+            <a:avLst>
+              <a:gd name="adj" fmla="val 3789"/>
+            </a:avLst>
+          </a:prstGeom>
+          <a:noFill/>
+          <a:ln w="6350">
+            <a:solidFill>
+              <a:schemeClr val="tx1">
+                <a:lumMod val="75000"/>
+                <a:lumOff val="25000"/>
+              </a:schemeClr>
+            </a:solidFill>
+            <a:prstDash val="dash"/>
+          </a:ln>
+        </p:spPr>
+        <p:style>
+          <a:lnRef idx="2">
+            <a:schemeClr val="accent1">
+              <a:shade val="50000"/>
+            </a:schemeClr>
+          </a:lnRef>
+          <a:fillRef idx="1">
+            <a:schemeClr val="accent1"/>
+          </a:fillRef>
+          <a:effectRef idx="0">
+            <a:schemeClr val="accent1"/>
+          </a:effectRef>
+          <a:fontRef idx="minor">
+            <a:schemeClr val="lt1"/>
+          </a:fontRef>
+        </p:style>
+        <p:txBody>
+          <a:bodyPr rtlCol="0" anchor="t"/>
+          <a:lstStyle/>
+          <a:p>
+            <a:pPr lvl="0"/>
+            <a:r>
+              <a:rPr lang="en-GB" sz="1000" b="1">
+                <a:solidFill>
+                  <a:schemeClr val="tx1">
+                    <a:lumMod val="75000"/>
+                    <a:lumOff val="25000"/>
+                  </a:schemeClr>
+                </a:solidFill>
+              </a:rPr>
+              <a:t>DNS Server (Bind9 operated by IT.S Mannheim)</a:t>
+            </a:r>
+          </a:p>
+        </p:txBody>
+      </p:sp>
+      <p:sp>
+        <p:nvSpPr>
+          <p:cNvPr id="13" name="Rounded Rectangle 12">
+            <a:extLst>
+              <a:ext uri="{FF2B5EF4-FFF2-40B4-BE49-F238E27FC236}">
+                <a16:creationId xmlns:a16="http://schemas.microsoft.com/office/drawing/2014/main" id="{AE805DE8-86A4-30CA-7EA1-51AA44D589C7}"/>
+              </a:ext>
+            </a:extLst>
+          </p:cNvPr>
+          <p:cNvSpPr/>
+          <p:nvPr/>
+        </p:nvSpPr>
+        <p:spPr>
+          <a:xfrm>
+            <a:off x="480513" y="1605002"/>
+            <a:ext cx="2271771" cy="478500"/>
           </a:xfrm>
           <a:prstGeom prst="roundRect">
             <a:avLst/>
@@ -3025,83 +3272,43 @@
           <a:bodyPr rtlCol="0" anchor="ctr"/>
           <a:lstStyle/>
           <a:p>
-            <a:pPr algn="ctr"/>
-            <a:r>
-              <a:rPr lang="en-GB" sz="1000" b="1" dirty="0">
+            <a:pPr>
+              <a:lnSpc>
+                <a:spcPct val="150000"/>
+              </a:lnSpc>
+            </a:pPr>
+            <a:r>
+              <a:rPr lang="en-GB" sz="600" b="1">
                 <a:solidFill>
                   <a:schemeClr val="tx1"/>
                 </a:solidFill>
               </a:rPr>
-              <a:t>cloud-</a:t>
-            </a:r>
-            <a:r>
-              <a:rPr lang="en-GB" sz="1000" b="1" dirty="0" err="1">
+              <a:t>cloud IN NS cloud-ns.dhbw-mannheim.de.</a:t>
+            </a:r>
+          </a:p>
+          <a:p>
+            <a:pPr>
+              <a:lnSpc>
+                <a:spcPct val="150000"/>
+              </a:lnSpc>
+            </a:pPr>
+            <a:r>
+              <a:rPr lang="en-GB" sz="600" b="1">
                 <a:solidFill>
                   <a:schemeClr val="tx1"/>
                 </a:solidFill>
               </a:rPr>
-              <a:t>ns.dhbw</a:t>
-            </a:r>
-            <a:r>
-              <a:rPr lang="en-GB" sz="1000" b="1" dirty="0">
-                <a:solidFill>
-                  <a:schemeClr val="tx1"/>
-                </a:solidFill>
-              </a:rPr>
-              <a:t>-</a:t>
-            </a:r>
-            <a:r>
-              <a:rPr lang="en-GB" sz="1000" b="1" dirty="0" err="1">
-                <a:solidFill>
-                  <a:schemeClr val="tx1"/>
-                </a:solidFill>
-              </a:rPr>
-              <a:t>mannheim.de</a:t>
-            </a:r>
-            <a:endParaRPr lang="en-GB" sz="1000" b="1" dirty="0">
-              <a:solidFill>
-                <a:schemeClr val="tx1"/>
-              </a:solidFill>
-            </a:endParaRPr>
-          </a:p>
-          <a:p>
-            <a:pPr algn="ctr"/>
-            <a:r>
-              <a:rPr lang="en-DE" sz="1000" dirty="0">
-                <a:solidFill>
-                  <a:schemeClr val="tx1"/>
-                </a:solidFill>
-              </a:rPr>
-              <a:t>(141.72.191.62)</a:t>
-            </a:r>
-          </a:p>
-          <a:p>
-            <a:pPr algn="ctr"/>
-            <a:endParaRPr lang="en-DE" sz="1000" dirty="0">
-              <a:solidFill>
-                <a:schemeClr val="tx1"/>
-              </a:solidFill>
-            </a:endParaRPr>
-          </a:p>
-          <a:p>
-            <a:pPr algn="ctr"/>
-            <a:r>
-              <a:rPr lang="en-DE" sz="1000" dirty="0">
-                <a:solidFill>
-                  <a:schemeClr val="tx1"/>
-                </a:solidFill>
-              </a:rPr>
-              <a:t>Manages cloud.dhbw-mannheim.de</a:t>
-            </a:r>
-          </a:p>
-        </p:txBody>
-      </p:sp>
-      <p:sp>
-        <p:nvSpPr>
-          <p:cNvPr id="6" name="Rounded Rectangle 5">
+              <a:t>cloud-ns IN A 141.72.191.62</a:t>
+            </a:r>
+          </a:p>
+        </p:txBody>
+      </p:sp>
+      <p:sp>
+        <p:nvSpPr>
+          <p:cNvPr id="17" name="Rounded Rectangle 16">
             <a:extLst>
               <a:ext uri="{FF2B5EF4-FFF2-40B4-BE49-F238E27FC236}">
-                <a16:creationId xmlns:a16="http://schemas.microsoft.com/office/drawing/2014/main" id="{D547CD1B-474B-1A4B-B9F5-F7AC621B9C67}"/>
+                <a16:creationId xmlns:a16="http://schemas.microsoft.com/office/drawing/2014/main" id="{EAF790B7-3E3D-C3D6-865B-82F9A07BB024}"/>
               </a:ext>
             </a:extLst>
           </p:cNvPr>
@@ -3110,8 +3317,8 @@
         </p:nvSpPr>
         <p:spPr>
           <a:xfrm>
-            <a:off x="138333" y="219535"/>
-            <a:ext cx="2752381" cy="335194"/>
+            <a:off x="480513" y="2723351"/>
+            <a:ext cx="2271771" cy="478500"/>
           </a:xfrm>
           <a:prstGeom prst="roundRect">
             <a:avLst/>
@@ -3150,24 +3357,43 @@
           <a:bodyPr rtlCol="0" anchor="ctr"/>
           <a:lstStyle/>
           <a:p>
-            <a:pPr algn="ctr"/>
-            <a:r>
-              <a:rPr lang="en-DE" sz="1000" b="1" dirty="0">
+            <a:r>
+              <a:rPr lang="en-GB" sz="600" b="1">
                 <a:solidFill>
                   <a:schemeClr val="tx1"/>
                 </a:solidFill>
               </a:rPr>
-              <a:t>dhbw-mannheim.de</a:t>
-            </a:r>
-          </a:p>
-        </p:txBody>
-      </p:sp>
-      <p:sp>
-        <p:nvSpPr>
-          <p:cNvPr id="7" name="Rectangle 6">
+              <a:t>update-policy {</a:t>
+            </a:r>
+          </a:p>
+          <a:p>
+            <a:r>
+              <a:rPr lang="en-GB" sz="600" b="1">
+                <a:solidFill>
+                  <a:schemeClr val="tx1"/>
+                </a:solidFill>
+              </a:rPr>
+              <a:t>    grant cloud-ns-key name cloud-ns.dhbw-mannheim.de. A;</a:t>
+            </a:r>
+          </a:p>
+          <a:p>
+            <a:r>
+              <a:rPr lang="en-GB" sz="600" b="1">
+                <a:solidFill>
+                  <a:schemeClr val="tx1"/>
+                </a:solidFill>
+              </a:rPr>
+              <a:t>};</a:t>
+            </a:r>
+          </a:p>
+        </p:txBody>
+      </p:sp>
+      <p:sp>
+        <p:nvSpPr>
+          <p:cNvPr id="18" name="Rounded Rectangle 17">
             <a:extLst>
               <a:ext uri="{FF2B5EF4-FFF2-40B4-BE49-F238E27FC236}">
-                <a16:creationId xmlns:a16="http://schemas.microsoft.com/office/drawing/2014/main" id="{CB691BDA-2374-794D-B01F-5E666FF641F3}"/>
+                <a16:creationId xmlns:a16="http://schemas.microsoft.com/office/drawing/2014/main" id="{9806FF5E-0FF3-6289-35EA-643E1DBDDC7C}"/>
               </a:ext>
             </a:extLst>
           </p:cNvPr>
@@ -3176,356 +3402,8 @@
         </p:nvSpPr>
         <p:spPr>
           <a:xfrm>
-            <a:off x="1514525" y="616442"/>
-            <a:ext cx="4945746" cy="400110"/>
-          </a:xfrm>
-          <a:prstGeom prst="rect">
-            <a:avLst/>
-          </a:prstGeom>
-        </p:spPr>
-        <p:txBody>
-          <a:bodyPr wrap="square">
-            <a:spAutoFit/>
-          </a:bodyPr>
-          <a:lstStyle/>
-          <a:p>
-            <a:r>
-              <a:rPr lang="en-GB" sz="1000" dirty="0"/>
-              <a:t>cloud IN NS cloud-</a:t>
-            </a:r>
-            <a:r>
-              <a:rPr lang="en-GB" sz="1000" dirty="0" err="1"/>
-              <a:t>ns.dhbw</a:t>
-            </a:r>
-            <a:r>
-              <a:rPr lang="en-GB" sz="1000" dirty="0"/>
-              <a:t>-</a:t>
-            </a:r>
-            <a:r>
-              <a:rPr lang="en-GB" sz="1000" dirty="0" err="1"/>
-              <a:t>mannheim.de</a:t>
-            </a:r>
-            <a:r>
-              <a:rPr lang="en-GB" sz="1000" dirty="0"/>
-              <a:t>.</a:t>
-            </a:r>
-          </a:p>
-          <a:p>
-            <a:r>
-              <a:rPr lang="en-GB" sz="1000" dirty="0"/>
-              <a:t>cloud-ns IN A 141.72.191.62</a:t>
-            </a:r>
-          </a:p>
-        </p:txBody>
-      </p:sp>
-      <p:cxnSp>
-        <p:nvCxnSpPr>
-          <p:cNvPr id="9" name="Straight Arrow Connector 8">
-            <a:extLst>
-              <a:ext uri="{FF2B5EF4-FFF2-40B4-BE49-F238E27FC236}">
-                <a16:creationId xmlns:a16="http://schemas.microsoft.com/office/drawing/2014/main" id="{50C2CE91-6032-1848-8653-BAC7DFF350FB}"/>
-              </a:ext>
-            </a:extLst>
-          </p:cNvPr>
-          <p:cNvCxnSpPr>
-            <a:cxnSpLocks/>
-            <a:stCxn id="6" idx="2"/>
-            <a:endCxn id="4" idx="0"/>
-          </p:cNvCxnSpPr>
-          <p:nvPr/>
-        </p:nvCxnSpPr>
-        <p:spPr>
-          <a:xfrm>
-            <a:off x="1514524" y="554729"/>
-            <a:ext cx="0" cy="835122"/>
-          </a:xfrm>
-          <a:prstGeom prst="straightConnector1">
-            <a:avLst/>
-          </a:prstGeom>
-          <a:ln>
-            <a:solidFill>
-              <a:schemeClr val="tx1">
-                <a:lumMod val="75000"/>
-                <a:lumOff val="25000"/>
-              </a:schemeClr>
-            </a:solidFill>
-            <a:tailEnd type="triangle"/>
-          </a:ln>
-        </p:spPr>
-        <p:style>
-          <a:lnRef idx="1">
-            <a:schemeClr val="accent1"/>
-          </a:lnRef>
-          <a:fillRef idx="0">
-            <a:schemeClr val="accent1"/>
-          </a:fillRef>
-          <a:effectRef idx="0">
-            <a:schemeClr val="accent1"/>
-          </a:effectRef>
-          <a:fontRef idx="minor">
-            <a:schemeClr val="tx1"/>
-          </a:fontRef>
-        </p:style>
-      </p:cxnSp>
-      <p:sp>
-        <p:nvSpPr>
-          <p:cNvPr id="18" name="Rounded Rectangle 17">
-            <a:extLst>
-              <a:ext uri="{FF2B5EF4-FFF2-40B4-BE49-F238E27FC236}">
-                <a16:creationId xmlns:a16="http://schemas.microsoft.com/office/drawing/2014/main" id="{73D979EE-071C-AF40-B7EC-CF71BC3C8DA6}"/>
-              </a:ext>
-            </a:extLst>
-          </p:cNvPr>
-          <p:cNvSpPr/>
-          <p:nvPr/>
-        </p:nvSpPr>
-        <p:spPr>
-          <a:xfrm>
-            <a:off x="3707892" y="229398"/>
-            <a:ext cx="2752380" cy="315468"/>
-          </a:xfrm>
-          <a:prstGeom prst="roundRect">
-            <a:avLst/>
-          </a:prstGeom>
-          <a:noFill/>
-          <a:ln w="6350">
-            <a:solidFill>
-              <a:schemeClr val="tx1">
-                <a:lumMod val="75000"/>
-                <a:lumOff val="25000"/>
-              </a:schemeClr>
-            </a:solidFill>
-            <a:prstDash val="sysDot"/>
-          </a:ln>
-        </p:spPr>
-        <p:style>
-          <a:lnRef idx="2">
-            <a:schemeClr val="accent1">
-              <a:shade val="50000"/>
-            </a:schemeClr>
-          </a:lnRef>
-          <a:fillRef idx="1">
-            <a:schemeClr val="accent1"/>
-          </a:fillRef>
-          <a:effectRef idx="0">
-            <a:schemeClr val="accent1"/>
-          </a:effectRef>
-          <a:fontRef idx="minor">
-            <a:schemeClr val="lt1"/>
-          </a:fontRef>
-        </p:style>
-        <p:txBody>
-          <a:bodyPr rtlCol="0" anchor="ctr"/>
-          <a:lstStyle/>
-          <a:p>
-            <a:pPr lvl="0"/>
-            <a:r>
-              <a:rPr lang="en-DE" sz="1000" dirty="0">
-                <a:solidFill>
-                  <a:schemeClr val="bg1">
-                    <a:lumMod val="50000"/>
-                  </a:schemeClr>
-                </a:solidFill>
-              </a:rPr>
-              <a:t>Operated by IT.S Mannheim</a:t>
-            </a:r>
-          </a:p>
-        </p:txBody>
-      </p:sp>
-      <p:cxnSp>
-        <p:nvCxnSpPr>
-          <p:cNvPr id="19" name="Straight Arrow Connector 18">
-            <a:extLst>
-              <a:ext uri="{FF2B5EF4-FFF2-40B4-BE49-F238E27FC236}">
-                <a16:creationId xmlns:a16="http://schemas.microsoft.com/office/drawing/2014/main" id="{A3AA29E2-0D19-CD4B-9D5D-A037F78B925F}"/>
-              </a:ext>
-            </a:extLst>
-          </p:cNvPr>
-          <p:cNvCxnSpPr>
-            <a:cxnSpLocks/>
-            <a:stCxn id="18" idx="1"/>
-            <a:endCxn id="6" idx="3"/>
-          </p:cNvCxnSpPr>
-          <p:nvPr/>
-        </p:nvCxnSpPr>
-        <p:spPr>
-          <a:xfrm flipH="1">
-            <a:off x="2890714" y="387132"/>
-            <a:ext cx="817178" cy="0"/>
-          </a:xfrm>
-          <a:prstGeom prst="straightConnector1">
-            <a:avLst/>
-          </a:prstGeom>
-          <a:ln>
-            <a:solidFill>
-              <a:schemeClr val="tx1">
-                <a:lumMod val="75000"/>
-                <a:lumOff val="25000"/>
-              </a:schemeClr>
-            </a:solidFill>
-            <a:prstDash val="sysDot"/>
-            <a:tailEnd type="triangle"/>
-          </a:ln>
-        </p:spPr>
-        <p:style>
-          <a:lnRef idx="1">
-            <a:schemeClr val="accent1"/>
-          </a:lnRef>
-          <a:fillRef idx="0">
-            <a:schemeClr val="accent1"/>
-          </a:fillRef>
-          <a:effectRef idx="0">
-            <a:schemeClr val="accent1"/>
-          </a:effectRef>
-          <a:fontRef idx="minor">
-            <a:schemeClr val="tx1"/>
-          </a:fontRef>
-        </p:style>
-      </p:cxnSp>
-      <p:sp>
-        <p:nvSpPr>
-          <p:cNvPr id="23" name="Rounded Rectangle 22">
-            <a:extLst>
-              <a:ext uri="{FF2B5EF4-FFF2-40B4-BE49-F238E27FC236}">
-                <a16:creationId xmlns:a16="http://schemas.microsoft.com/office/drawing/2014/main" id="{48C9E6EF-E0DA-8544-A663-535AE73B33F9}"/>
-              </a:ext>
-            </a:extLst>
-          </p:cNvPr>
-          <p:cNvSpPr/>
-          <p:nvPr/>
-        </p:nvSpPr>
-        <p:spPr>
-          <a:xfrm>
-            <a:off x="3707892" y="1519995"/>
-            <a:ext cx="2752380" cy="467514"/>
-          </a:xfrm>
-          <a:prstGeom prst="roundRect">
-            <a:avLst/>
-          </a:prstGeom>
-          <a:noFill/>
-          <a:ln w="6350">
-            <a:solidFill>
-              <a:schemeClr val="tx1">
-                <a:lumMod val="75000"/>
-                <a:lumOff val="25000"/>
-              </a:schemeClr>
-            </a:solidFill>
-            <a:prstDash val="sysDot"/>
-          </a:ln>
-        </p:spPr>
-        <p:style>
-          <a:lnRef idx="2">
-            <a:schemeClr val="accent1">
-              <a:shade val="50000"/>
-            </a:schemeClr>
-          </a:lnRef>
-          <a:fillRef idx="1">
-            <a:schemeClr val="accent1"/>
-          </a:fillRef>
-          <a:effectRef idx="0">
-            <a:schemeClr val="accent1"/>
-          </a:effectRef>
-          <a:fontRef idx="minor">
-            <a:schemeClr val="lt1"/>
-          </a:fontRef>
-        </p:style>
-        <p:txBody>
-          <a:bodyPr rtlCol="0" anchor="ctr"/>
-          <a:lstStyle/>
-          <a:p>
-            <a:pPr lvl="0"/>
-            <a:r>
-              <a:rPr lang="en-DE" sz="1000" dirty="0">
-                <a:solidFill>
-                  <a:schemeClr val="bg1">
-                    <a:lumMod val="50000"/>
-                  </a:schemeClr>
-                </a:solidFill>
-              </a:rPr>
-              <a:t>Ubuntu Linux running in 4C</a:t>
-            </a:r>
-          </a:p>
-          <a:p>
-            <a:pPr lvl="0"/>
-            <a:r>
-              <a:rPr lang="en-DE" sz="1000" dirty="0">
-                <a:solidFill>
-                  <a:schemeClr val="bg1">
-                    <a:lumMod val="50000"/>
-                  </a:schemeClr>
-                </a:solidFill>
-              </a:rPr>
-              <a:t>Standard Bind9 with manual configuration</a:t>
-            </a:r>
-          </a:p>
-        </p:txBody>
-      </p:sp>
-      <p:cxnSp>
-        <p:nvCxnSpPr>
-          <p:cNvPr id="24" name="Straight Arrow Connector 23">
-            <a:extLst>
-              <a:ext uri="{FF2B5EF4-FFF2-40B4-BE49-F238E27FC236}">
-                <a16:creationId xmlns:a16="http://schemas.microsoft.com/office/drawing/2014/main" id="{B7B96DD7-FD94-9E45-ABC3-88DDB7782432}"/>
-              </a:ext>
-            </a:extLst>
-          </p:cNvPr>
-          <p:cNvCxnSpPr>
-            <a:cxnSpLocks/>
-            <a:stCxn id="23" idx="1"/>
-            <a:endCxn id="4" idx="3"/>
-          </p:cNvCxnSpPr>
-          <p:nvPr/>
-        </p:nvCxnSpPr>
-        <p:spPr>
-          <a:xfrm flipH="1">
-            <a:off x="2890714" y="1753752"/>
-            <a:ext cx="817178" cy="2757"/>
-          </a:xfrm>
-          <a:prstGeom prst="straightConnector1">
-            <a:avLst/>
-          </a:prstGeom>
-          <a:ln>
-            <a:solidFill>
-              <a:schemeClr val="tx1">
-                <a:lumMod val="75000"/>
-                <a:lumOff val="25000"/>
-              </a:schemeClr>
-            </a:solidFill>
-            <a:prstDash val="sysDot"/>
-            <a:tailEnd type="triangle"/>
-          </a:ln>
-        </p:spPr>
-        <p:style>
-          <a:lnRef idx="1">
-            <a:schemeClr val="accent1"/>
-          </a:lnRef>
-          <a:fillRef idx="0">
-            <a:schemeClr val="accent1"/>
-          </a:fillRef>
-          <a:effectRef idx="0">
-            <a:schemeClr val="accent1"/>
-          </a:effectRef>
-          <a:fontRef idx="minor">
-            <a:schemeClr val="tx1"/>
-          </a:fontRef>
-        </p:style>
-      </p:cxnSp>
-      <p:sp>
-        <p:nvSpPr>
-          <p:cNvPr id="31" name="Rounded Rectangle 30">
-            <a:extLst>
-              <a:ext uri="{FF2B5EF4-FFF2-40B4-BE49-F238E27FC236}">
-                <a16:creationId xmlns:a16="http://schemas.microsoft.com/office/drawing/2014/main" id="{817430BC-2732-4649-9E4A-65EE892B265A}"/>
-              </a:ext>
-            </a:extLst>
-          </p:cNvPr>
-          <p:cNvSpPr/>
-          <p:nvPr/>
-        </p:nvSpPr>
-        <p:spPr>
-          <a:xfrm>
-            <a:off x="138333" y="7168287"/>
-            <a:ext cx="2752381" cy="594398"/>
+            <a:off x="480513" y="2164177"/>
+            <a:ext cx="2271771" cy="478500"/>
           </a:xfrm>
           <a:prstGeom prst="roundRect">
             <a:avLst/>
@@ -3564,61 +3442,53 @@
           <a:bodyPr rtlCol="0" anchor="ctr"/>
           <a:lstStyle/>
           <a:p>
-            <a:pPr algn="ctr"/>
-            <a:r>
-              <a:rPr lang="en-GB" sz="1000" b="1" dirty="0" err="1">
+            <a:r>
+              <a:rPr lang="en-GB" sz="600" b="1">
                 <a:solidFill>
                   <a:schemeClr val="tx1"/>
                 </a:solidFill>
               </a:rPr>
-              <a:t>dyn-ns.cloud.dhbw-mannheim.de</a:t>
-            </a:r>
-            <a:endParaRPr lang="en-GB" sz="1000" b="1" dirty="0">
-              <a:solidFill>
-                <a:schemeClr val="tx1"/>
-              </a:solidFill>
-            </a:endParaRPr>
-          </a:p>
-          <a:p>
-            <a:pPr algn="ctr"/>
-            <a:endParaRPr lang="en-GB" sz="1000" dirty="0">
-              <a:solidFill>
-                <a:schemeClr val="tx1"/>
-              </a:solidFill>
-            </a:endParaRPr>
-          </a:p>
-          <a:p>
-            <a:pPr algn="ctr"/>
-            <a:r>
-              <a:rPr lang="en-GB" sz="1000" dirty="0">
+              <a:t>key ”cloud-ns-key" {</a:t>
+            </a:r>
+          </a:p>
+          <a:p>
+            <a:r>
+              <a:rPr lang="en-GB" sz="600" b="1">
                 <a:solidFill>
                   <a:schemeClr val="tx1"/>
                 </a:solidFill>
               </a:rPr>
-              <a:t>Manages  </a:t>
-            </a:r>
-            <a:r>
-              <a:rPr lang="en-GB" sz="1000" dirty="0" err="1">
+              <a:t>    algorithm hmac-sha256;</a:t>
+            </a:r>
+          </a:p>
+          <a:p>
+            <a:r>
+              <a:rPr lang="en-GB" sz="600" b="1">
                 <a:solidFill>
                   <a:schemeClr val="tx1"/>
                 </a:solidFill>
               </a:rPr>
-              <a:t>user.cloud.dhbw-mannheim.de</a:t>
-            </a:r>
-            <a:endParaRPr lang="en-DE" sz="1000" dirty="0">
-              <a:solidFill>
-                <a:schemeClr val="tx1"/>
-              </a:solidFill>
-            </a:endParaRPr>
-          </a:p>
-        </p:txBody>
-      </p:sp>
-      <p:sp>
-        <p:nvSpPr>
-          <p:cNvPr id="44" name="Rounded Rectangle 43">
+              <a:t>    secret "sadfasdfasdfsdfasdajhkjhkjhkhfd=";</a:t>
+            </a:r>
+          </a:p>
+          <a:p>
+            <a:r>
+              <a:rPr lang="en-GB" sz="600" b="1">
+                <a:solidFill>
+                  <a:schemeClr val="tx1"/>
+                </a:solidFill>
+              </a:rPr>
+              <a:t>};</a:t>
+            </a:r>
+          </a:p>
+        </p:txBody>
+      </p:sp>
+      <p:sp>
+        <p:nvSpPr>
+          <p:cNvPr id="27" name="Rounded Rectangle 26">
             <a:extLst>
               <a:ext uri="{FF2B5EF4-FFF2-40B4-BE49-F238E27FC236}">
-                <a16:creationId xmlns:a16="http://schemas.microsoft.com/office/drawing/2014/main" id="{38D92A7A-249B-684B-A45C-1D5DCE4E97E9}"/>
+                <a16:creationId xmlns:a16="http://schemas.microsoft.com/office/drawing/2014/main" id="{E314FDA3-A980-58B5-47B4-CE79DDB23D97}"/>
               </a:ext>
             </a:extLst>
           </p:cNvPr>
@@ -3627,11 +3497,13 @@
         </p:nvSpPr>
         <p:spPr>
           <a:xfrm>
-            <a:off x="3707891" y="7231729"/>
-            <a:ext cx="2752381" cy="467514"/>
+            <a:off x="273378" y="4221074"/>
+            <a:ext cx="2786463" cy="1434703"/>
           </a:xfrm>
           <a:prstGeom prst="roundRect">
-            <a:avLst/>
+            <a:avLst>
+              <a:gd name="adj" fmla="val 3789"/>
+            </a:avLst>
           </a:prstGeom>
           <a:noFill/>
           <a:ln w="6350">
@@ -3641,7 +3513,7 @@
                 <a:lumOff val="25000"/>
               </a:schemeClr>
             </a:solidFill>
-            <a:prstDash val="sysDot"/>
+            <a:prstDash val="dash"/>
           </a:ln>
         </p:spPr>
         <p:style>
@@ -3661,65 +3533,80 @@
           </a:fontRef>
         </p:style>
         <p:txBody>
-          <a:bodyPr rtlCol="0" anchor="ctr"/>
+          <a:bodyPr rtlCol="0" anchor="b"/>
           <a:lstStyle/>
           <a:p>
             <a:pPr lvl="0"/>
             <a:r>
-              <a:rPr lang="en-DE" sz="1000" dirty="0">
-                <a:solidFill>
-                  <a:schemeClr val="bg1">
-                    <a:lumMod val="50000"/>
+              <a:rPr lang="en-GB" sz="1000" b="1" dirty="0" err="1">
+                <a:solidFill>
+                  <a:schemeClr val="tx1">
+                    <a:lumMod val="75000"/>
+                    <a:lumOff val="25000"/>
                   </a:schemeClr>
                 </a:solidFill>
               </a:rPr>
-              <a:t>Kubernetes; automatically updates upstream server via external-dns (</a:t>
-            </a:r>
-            <a:r>
-              <a:rPr lang="en-GB" sz="1000" dirty="0">
-                <a:solidFill>
-                  <a:schemeClr val="bg1">
-                    <a:lumMod val="50000"/>
+              <a:t>edsc</a:t>
+            </a:r>
+            <a:r>
+              <a:rPr lang="en-GB" sz="1000" b="1" dirty="0">
+                <a:solidFill>
+                  <a:schemeClr val="tx1">
+                    <a:lumMod val="75000"/>
+                    <a:lumOff val="25000"/>
                   </a:schemeClr>
                 </a:solidFill>
               </a:rPr>
-              <a:t>RFC2136)</a:t>
-            </a:r>
-            <a:endParaRPr lang="en-DE" sz="1000" dirty="0">
-              <a:solidFill>
-                <a:schemeClr val="bg1">
-                  <a:lumMod val="50000"/>
-                </a:schemeClr>
-              </a:solidFill>
-            </a:endParaRPr>
+              <a:t>-</a:t>
+            </a:r>
+            <a:r>
+              <a:rPr lang="en-GB" sz="1000" b="1" dirty="0" err="1">
+                <a:solidFill>
+                  <a:schemeClr val="tx1">
+                    <a:lumMod val="75000"/>
+                    <a:lumOff val="25000"/>
+                  </a:schemeClr>
+                </a:solidFill>
+              </a:rPr>
+              <a:t>dns</a:t>
+            </a:r>
+            <a:r>
+              <a:rPr lang="en-GB" sz="1000" b="1" dirty="0">
+                <a:solidFill>
+                  <a:schemeClr val="tx1">
+                    <a:lumMod val="75000"/>
+                    <a:lumOff val="25000"/>
+                  </a:schemeClr>
+                </a:solidFill>
+              </a:rPr>
+              <a:t>-domains deployed in Kubernetes</a:t>
+            </a:r>
           </a:p>
         </p:txBody>
       </p:sp>
       <p:cxnSp>
         <p:nvCxnSpPr>
-          <p:cNvPr id="45" name="Straight Arrow Connector 44">
+          <p:cNvPr id="28" name="Straight Arrow Connector 27">
             <a:extLst>
               <a:ext uri="{FF2B5EF4-FFF2-40B4-BE49-F238E27FC236}">
-                <a16:creationId xmlns:a16="http://schemas.microsoft.com/office/drawing/2014/main" id="{A9EEDBCC-CE64-B74D-9B4A-68960BDA7778}"/>
+                <a16:creationId xmlns:a16="http://schemas.microsoft.com/office/drawing/2014/main" id="{E8BD6030-AEE8-A28C-3861-E0200E9C5915}"/>
               </a:ext>
             </a:extLst>
           </p:cNvPr>
           <p:cNvCxnSpPr>
             <a:cxnSpLocks/>
-            <a:stCxn id="4" idx="2"/>
-            <a:endCxn id="31" idx="0"/>
           </p:cNvCxnSpPr>
           <p:nvPr/>
         </p:nvCxnSpPr>
         <p:spPr>
-          <a:xfrm>
-            <a:off x="1514524" y="2123167"/>
-            <a:ext cx="0" cy="5045120"/>
+          <a:xfrm flipV="1">
+            <a:off x="998988" y="3404454"/>
+            <a:ext cx="0" cy="856972"/>
           </a:xfrm>
           <a:prstGeom prst="straightConnector1">
             <a:avLst/>
           </a:prstGeom>
-          <a:ln>
+          <a:ln w="38100">
             <a:solidFill>
               <a:schemeClr val="tx1">
                 <a:lumMod val="75000"/>
@@ -3744,62 +3631,210 @@
           </a:fontRef>
         </p:style>
       </p:cxnSp>
-      <p:cxnSp>
-        <p:nvCxnSpPr>
-          <p:cNvPr id="50" name="Straight Arrow Connector 49">
+      <p:sp>
+        <p:nvSpPr>
+          <p:cNvPr id="33" name="TextBox 32">
             <a:extLst>
               <a:ext uri="{FF2B5EF4-FFF2-40B4-BE49-F238E27FC236}">
-                <a16:creationId xmlns:a16="http://schemas.microsoft.com/office/drawing/2014/main" id="{842366A8-489D-1A41-9499-60323F511695}"/>
+                <a16:creationId xmlns:a16="http://schemas.microsoft.com/office/drawing/2014/main" id="{E4A67C9C-FE52-0700-72D7-5D94C48A758A}"/>
               </a:ext>
             </a:extLst>
           </p:cNvPr>
-          <p:cNvCxnSpPr>
-            <a:cxnSpLocks/>
-            <a:stCxn id="44" idx="1"/>
-            <a:endCxn id="31" idx="3"/>
-          </p:cNvCxnSpPr>
+          <p:cNvSpPr txBox="1"/>
           <p:nvPr/>
-        </p:nvCxnSpPr>
+        </p:nvSpPr>
         <p:spPr>
-          <a:xfrm flipH="1">
-            <a:off x="2890714" y="7465486"/>
-            <a:ext cx="817177" cy="0"/>
+          <a:xfrm>
+            <a:off x="3689441" y="982547"/>
+            <a:ext cx="2786463" cy="938719"/>
           </a:xfrm>
-          <a:prstGeom prst="straightConnector1">
+          <a:prstGeom prst="rect">
             <a:avLst/>
           </a:prstGeom>
-          <a:ln>
-            <a:solidFill>
-              <a:schemeClr val="tx1">
-                <a:lumMod val="75000"/>
-                <a:lumOff val="25000"/>
-              </a:schemeClr>
-            </a:solidFill>
-            <a:prstDash val="sysDot"/>
-            <a:tailEnd type="triangle"/>
-          </a:ln>
+          <a:noFill/>
         </p:spPr>
-        <p:style>
-          <a:lnRef idx="1">
-            <a:schemeClr val="accent1"/>
-          </a:lnRef>
-          <a:fillRef idx="0">
-            <a:schemeClr val="accent1"/>
-          </a:fillRef>
-          <a:effectRef idx="0">
-            <a:schemeClr val="accent1"/>
-          </a:effectRef>
-          <a:fontRef idx="minor">
-            <a:schemeClr val="tx1"/>
-          </a:fontRef>
-        </p:style>
-      </p:cxnSp>
-      <p:sp>
-        <p:nvSpPr>
-          <p:cNvPr id="53" name="Rectangle 52">
+        <p:txBody>
+          <a:bodyPr wrap="square">
+            <a:spAutoFit/>
+          </a:bodyPr>
+          <a:lstStyle/>
+          <a:p>
+            <a:pPr marL="0" marR="0" lvl="0" indent="0" algn="l" defTabSz="914400" rtl="0" eaLnBrk="1" fontAlgn="base" latinLnBrk="0" hangingPunct="1">
+              <a:lnSpc>
+                <a:spcPct val="100000"/>
+              </a:lnSpc>
+              <a:spcBef>
+                <a:spcPct val="0"/>
+              </a:spcBef>
+              <a:spcAft>
+                <a:spcPct val="0"/>
+              </a:spcAft>
+              <a:buClrTx/>
+              <a:buSzTx/>
+              <a:buFontTx/>
+              <a:buNone/>
+              <a:tabLst/>
+              <a:defRPr/>
+            </a:pPr>
+            <a:r>
+              <a:rPr kumimoji="0" lang="en-GB" sz="1100" b="0" i="0" u="none" strike="noStrike" kern="1200" cap="none" spc="0" normalizeH="0" baseline="0" dirty="0">
+                <a:ln>
+                  <a:noFill/>
+                </a:ln>
+                <a:solidFill>
+                  <a:srgbClr val="000000"/>
+                </a:solidFill>
+                <a:effectLst/>
+                <a:uLnTx/>
+                <a:uFillTx/>
+                <a:latin typeface="Arial"/>
+                <a:ea typeface="ＭＳ Ｐゴシック" charset="0"/>
+              </a:rPr>
+              <a:t>Configured with</a:t>
+            </a:r>
+          </a:p>
+          <a:p>
+            <a:pPr marL="285750" marR="0" lvl="0" indent="-285750" algn="l" defTabSz="914400" rtl="0" eaLnBrk="1" fontAlgn="base" latinLnBrk="0" hangingPunct="1">
+              <a:lnSpc>
+                <a:spcPct val="100000"/>
+              </a:lnSpc>
+              <a:spcBef>
+                <a:spcPct val="0"/>
+              </a:spcBef>
+              <a:spcAft>
+                <a:spcPct val="0"/>
+              </a:spcAft>
+              <a:buClrTx/>
+              <a:buSzTx/>
+              <a:buFont typeface="Arial" panose="020B0604020202020204" pitchFamily="34" charset="0"/>
+              <a:buChar char="•"/>
+              <a:tabLst/>
+              <a:defRPr/>
+            </a:pPr>
+            <a:r>
+              <a:rPr kumimoji="0" lang="en-GB" sz="1100" b="0" i="0" u="none" strike="noStrike" kern="1200" cap="none" spc="0" normalizeH="0" baseline="0" dirty="0">
+                <a:ln>
+                  <a:noFill/>
+                </a:ln>
+                <a:solidFill>
+                  <a:srgbClr val="000000"/>
+                </a:solidFill>
+                <a:effectLst/>
+                <a:uLnTx/>
+                <a:uFillTx/>
+                <a:latin typeface="Arial"/>
+                <a:ea typeface="ＭＳ Ｐゴシック" charset="0"/>
+              </a:rPr>
+              <a:t>Key for RFC2136 (Dynamic Updates in the Domain Name System)</a:t>
+            </a:r>
+          </a:p>
+          <a:p>
+            <a:pPr marL="285750" marR="0" lvl="0" indent="-285750" algn="l" defTabSz="914400" rtl="0" eaLnBrk="1" fontAlgn="base" latinLnBrk="0" hangingPunct="1">
+              <a:lnSpc>
+                <a:spcPct val="100000"/>
+              </a:lnSpc>
+              <a:spcBef>
+                <a:spcPct val="0"/>
+              </a:spcBef>
+              <a:spcAft>
+                <a:spcPct val="0"/>
+              </a:spcAft>
+              <a:buClrTx/>
+              <a:buSzTx/>
+              <a:buFont typeface="Arial" panose="020B0604020202020204" pitchFamily="34" charset="0"/>
+              <a:buChar char="•"/>
+              <a:tabLst/>
+              <a:defRPr/>
+            </a:pPr>
+            <a:r>
+              <a:rPr kumimoji="0" lang="en-GB" sz="1100" b="0" i="0" u="none" strike="noStrike" kern="1200" cap="none" spc="0" normalizeH="0" baseline="0" dirty="0">
+                <a:ln>
+                  <a:noFill/>
+                </a:ln>
+                <a:solidFill>
+                  <a:srgbClr val="000000"/>
+                </a:solidFill>
+                <a:effectLst/>
+                <a:uLnTx/>
+                <a:uFillTx/>
+                <a:latin typeface="Arial"/>
+                <a:ea typeface="ＭＳ Ｐゴシック" charset="0"/>
+              </a:rPr>
+              <a:t>ACL for write access to entry (e.g. cloud-</a:t>
+            </a:r>
+            <a:r>
+              <a:rPr kumimoji="0" lang="en-GB" sz="1100" b="0" i="0" u="none" strike="noStrike" kern="1200" cap="none" spc="0" normalizeH="0" baseline="0" dirty="0" err="1">
+                <a:ln>
+                  <a:noFill/>
+                </a:ln>
+                <a:solidFill>
+                  <a:srgbClr val="000000"/>
+                </a:solidFill>
+                <a:effectLst/>
+                <a:uLnTx/>
+                <a:uFillTx/>
+                <a:latin typeface="Arial"/>
+                <a:ea typeface="ＭＳ Ｐゴシック" charset="0"/>
+              </a:rPr>
+              <a:t>ns.dhbw</a:t>
+            </a:r>
+            <a:r>
+              <a:rPr kumimoji="0" lang="en-GB" sz="1100" b="0" i="0" u="none" strike="noStrike" kern="1200" cap="none" spc="0" normalizeH="0" baseline="0" dirty="0">
+                <a:ln>
+                  <a:noFill/>
+                </a:ln>
+                <a:solidFill>
+                  <a:srgbClr val="000000"/>
+                </a:solidFill>
+                <a:effectLst/>
+                <a:uLnTx/>
+                <a:uFillTx/>
+                <a:latin typeface="Arial"/>
+                <a:ea typeface="ＭＳ Ｐゴシック" charset="0"/>
+              </a:rPr>
+              <a:t>-</a:t>
+            </a:r>
+            <a:r>
+              <a:rPr kumimoji="0" lang="en-GB" sz="1100" b="0" i="0" u="none" strike="noStrike" kern="1200" cap="none" spc="0" normalizeH="0" baseline="0" dirty="0" err="1">
+                <a:ln>
+                  <a:noFill/>
+                </a:ln>
+                <a:solidFill>
+                  <a:srgbClr val="000000"/>
+                </a:solidFill>
+                <a:effectLst/>
+                <a:uLnTx/>
+                <a:uFillTx/>
+                <a:latin typeface="Arial"/>
+                <a:ea typeface="ＭＳ Ｐゴシック" charset="0"/>
+              </a:rPr>
+              <a:t>mannheim.de</a:t>
+            </a:r>
+            <a:r>
+              <a:rPr kumimoji="0" lang="en-GB" sz="1100" b="0" i="0" u="none" strike="noStrike" kern="1200" cap="none" spc="0" normalizeH="0" baseline="0" dirty="0">
+                <a:ln>
+                  <a:noFill/>
+                </a:ln>
+                <a:solidFill>
+                  <a:srgbClr val="000000"/>
+                </a:solidFill>
+                <a:effectLst/>
+                <a:uLnTx/>
+                <a:uFillTx/>
+                <a:latin typeface="Arial"/>
+                <a:ea typeface="ＭＳ Ｐゴシック" charset="0"/>
+              </a:rPr>
+              <a:t>)</a:t>
+            </a:r>
+          </a:p>
+        </p:txBody>
+      </p:sp>
+      <p:sp>
+        <p:nvSpPr>
+          <p:cNvPr id="35" name="Rounded Rectangle 34">
             <a:extLst>
               <a:ext uri="{FF2B5EF4-FFF2-40B4-BE49-F238E27FC236}">
-                <a16:creationId xmlns:a16="http://schemas.microsoft.com/office/drawing/2014/main" id="{FA0FCB35-9E17-A147-8008-3AF81E3D00D2}"/>
+                <a16:creationId xmlns:a16="http://schemas.microsoft.com/office/drawing/2014/main" id="{394975F5-C652-F92A-F5E1-94D573DBAA6B}"/>
               </a:ext>
             </a:extLst>
           </p:cNvPr>
@@ -3808,571 +3843,14 @@
         </p:nvSpPr>
         <p:spPr>
           <a:xfrm>
-            <a:off x="1663736" y="2242183"/>
-            <a:ext cx="4796535" cy="5016758"/>
-          </a:xfrm>
-          <a:prstGeom prst="rect">
-            <a:avLst/>
-          </a:prstGeom>
-          <a:ln w="3175">
-            <a:noFill/>
-          </a:ln>
-        </p:spPr>
-        <p:txBody>
-          <a:bodyPr wrap="square">
-            <a:spAutoFit/>
-          </a:bodyPr>
-          <a:lstStyle/>
-          <a:p>
-            <a:r>
-              <a:rPr lang="en-DE" sz="1000" b="1" dirty="0">
-                <a:cs typeface="Consolas" panose="020B0609020204030204" pitchFamily="49" charset="0"/>
-              </a:rPr>
-              <a:t>File: /etc/bind/named.conf.local (generate key with </a:t>
-            </a:r>
-            <a:r>
-              <a:rPr lang="en-GB" sz="1000" b="1" dirty="0" err="1">
-                <a:latin typeface="Consolas" panose="020B0609020204030204" pitchFamily="49" charset="0"/>
-                <a:cs typeface="Consolas" panose="020B0609020204030204" pitchFamily="49" charset="0"/>
-              </a:rPr>
-              <a:t>rndc-confgen</a:t>
-            </a:r>
-            <a:r>
-              <a:rPr lang="en-GB" sz="1000" b="1" dirty="0">
-                <a:latin typeface="Consolas" panose="020B0609020204030204" pitchFamily="49" charset="0"/>
-                <a:cs typeface="Consolas" panose="020B0609020204030204" pitchFamily="49" charset="0"/>
-              </a:rPr>
-              <a:t> -a -A hmac-sha512 –k </a:t>
-            </a:r>
-            <a:r>
-              <a:rPr lang="en-GB" sz="1000" b="1" dirty="0" err="1">
-                <a:latin typeface="Consolas" panose="020B0609020204030204" pitchFamily="49" charset="0"/>
-                <a:cs typeface="Consolas" panose="020B0609020204030204" pitchFamily="49" charset="0"/>
-              </a:rPr>
-              <a:t>key.name</a:t>
-            </a:r>
-            <a:r>
-              <a:rPr lang="en-GB" sz="1000" b="1" dirty="0">
-                <a:latin typeface="Consolas" panose="020B0609020204030204" pitchFamily="49" charset="0"/>
-                <a:cs typeface="Consolas" panose="020B0609020204030204" pitchFamily="49" charset="0"/>
-              </a:rPr>
-              <a:t> -c </a:t>
-            </a:r>
-            <a:r>
-              <a:rPr lang="en-GB" sz="1000" b="1" dirty="0" err="1">
-                <a:latin typeface="Consolas" panose="020B0609020204030204" pitchFamily="49" charset="0"/>
-                <a:cs typeface="Consolas" panose="020B0609020204030204" pitchFamily="49" charset="0"/>
-              </a:rPr>
-              <a:t>file.name</a:t>
-            </a:r>
-            <a:r>
-              <a:rPr lang="en-GB" sz="1000" b="1" dirty="0">
-                <a:latin typeface="Consolas" panose="020B0609020204030204" pitchFamily="49" charset="0"/>
-                <a:cs typeface="Consolas" panose="020B0609020204030204" pitchFamily="49" charset="0"/>
-              </a:rPr>
-              <a:t>)</a:t>
-            </a:r>
-            <a:endParaRPr lang="en-DE" sz="1000" b="1" dirty="0">
-              <a:latin typeface="Consolas" panose="020B0609020204030204" pitchFamily="49" charset="0"/>
-              <a:cs typeface="Consolas" panose="020B0609020204030204" pitchFamily="49" charset="0"/>
-            </a:endParaRPr>
-          </a:p>
-          <a:p>
-            <a:endParaRPr lang="en-DE" sz="1000" dirty="0">
-              <a:latin typeface="Consolas" panose="020B0609020204030204" pitchFamily="49" charset="0"/>
-              <a:cs typeface="Consolas" panose="020B0609020204030204" pitchFamily="49" charset="0"/>
-            </a:endParaRPr>
-          </a:p>
-          <a:p>
-            <a:r>
-              <a:rPr lang="en-GB" sz="1000" dirty="0">
-                <a:latin typeface="Consolas" panose="020B0609020204030204" pitchFamily="49" charset="0"/>
-                <a:cs typeface="Consolas" panose="020B0609020204030204" pitchFamily="49" charset="0"/>
-              </a:rPr>
-              <a:t>key </a:t>
-            </a:r>
-            <a:r>
-              <a:rPr lang="en-GB" sz="1000" dirty="0" err="1">
-                <a:latin typeface="Consolas" panose="020B0609020204030204" pitchFamily="49" charset="0"/>
-                <a:cs typeface="Consolas" panose="020B0609020204030204" pitchFamily="49" charset="0"/>
-              </a:rPr>
-              <a:t>key.name</a:t>
-            </a:r>
-            <a:r>
-              <a:rPr lang="en-GB" sz="1000" dirty="0">
-                <a:latin typeface="Consolas" panose="020B0609020204030204" pitchFamily="49" charset="0"/>
-                <a:cs typeface="Consolas" panose="020B0609020204030204" pitchFamily="49" charset="0"/>
-              </a:rPr>
-              <a:t> {</a:t>
-            </a:r>
-          </a:p>
-          <a:p>
-            <a:r>
-              <a:rPr lang="en-GB" sz="1000" dirty="0">
-                <a:latin typeface="Consolas" panose="020B0609020204030204" pitchFamily="49" charset="0"/>
-                <a:cs typeface="Consolas" panose="020B0609020204030204" pitchFamily="49" charset="0"/>
-              </a:rPr>
-              <a:t>        algorithm HMAC-SHA512;</a:t>
-            </a:r>
-          </a:p>
-          <a:p>
-            <a:r>
-              <a:rPr lang="en-GB" sz="1000" dirty="0">
-                <a:latin typeface="Consolas" panose="020B0609020204030204" pitchFamily="49" charset="0"/>
-                <a:cs typeface="Consolas" panose="020B0609020204030204" pitchFamily="49" charset="0"/>
-              </a:rPr>
-              <a:t>        secret ”XXXXX-redacted-XXXXX";</a:t>
-            </a:r>
-          </a:p>
-          <a:p>
-            <a:r>
-              <a:rPr lang="en-GB" sz="1000" dirty="0">
-                <a:latin typeface="Consolas" panose="020B0609020204030204" pitchFamily="49" charset="0"/>
-                <a:cs typeface="Consolas" panose="020B0609020204030204" pitchFamily="49" charset="0"/>
-              </a:rPr>
-              <a:t>};</a:t>
-            </a:r>
-            <a:endParaRPr lang="en-DE" sz="1000" dirty="0">
-              <a:latin typeface="Consolas" panose="020B0609020204030204" pitchFamily="49" charset="0"/>
-              <a:cs typeface="Consolas" panose="020B0609020204030204" pitchFamily="49" charset="0"/>
-            </a:endParaRPr>
-          </a:p>
-          <a:p>
-            <a:endParaRPr lang="en-DE" sz="1000" dirty="0">
-              <a:latin typeface="Consolas" panose="020B0609020204030204" pitchFamily="49" charset="0"/>
-              <a:cs typeface="Consolas" panose="020B0609020204030204" pitchFamily="49" charset="0"/>
-            </a:endParaRPr>
-          </a:p>
-          <a:p>
-            <a:r>
-              <a:rPr lang="en-DE" sz="1000" dirty="0">
-                <a:latin typeface="Consolas" panose="020B0609020204030204" pitchFamily="49" charset="0"/>
-                <a:cs typeface="Consolas" panose="020B0609020204030204" pitchFamily="49" charset="0"/>
-              </a:rPr>
-              <a:t>zone "cloud.dhbw-mannheim.de" {</a:t>
-            </a:r>
-          </a:p>
-          <a:p>
-            <a:r>
-              <a:rPr lang="en-DE" sz="1000" dirty="0">
-                <a:latin typeface="Consolas" panose="020B0609020204030204" pitchFamily="49" charset="0"/>
-                <a:cs typeface="Consolas" panose="020B0609020204030204" pitchFamily="49" charset="0"/>
-              </a:rPr>
-              <a:t>     type master;</a:t>
-            </a:r>
-          </a:p>
-          <a:p>
-            <a:r>
-              <a:rPr lang="en-DE" sz="1000" dirty="0">
-                <a:latin typeface="Consolas" panose="020B0609020204030204" pitchFamily="49" charset="0"/>
-                <a:cs typeface="Consolas" panose="020B0609020204030204" pitchFamily="49" charset="0"/>
-              </a:rPr>
-              <a:t>     file "/var/cache/bind/db.cloud.dhbw-mannheim.de";</a:t>
-            </a:r>
-          </a:p>
-          <a:p>
-            <a:r>
-              <a:rPr lang="en-DE" sz="1000" dirty="0">
-                <a:latin typeface="Consolas" panose="020B0609020204030204" pitchFamily="49" charset="0"/>
-                <a:cs typeface="Consolas" panose="020B0609020204030204" pitchFamily="49" charset="0"/>
-              </a:rPr>
-              <a:t>     allow-update { key key.name;  };</a:t>
-            </a:r>
-          </a:p>
-          <a:p>
-            <a:r>
-              <a:rPr lang="en-DE" sz="1000" dirty="0">
-                <a:latin typeface="Consolas" panose="020B0609020204030204" pitchFamily="49" charset="0"/>
-                <a:cs typeface="Consolas" panose="020B0609020204030204" pitchFamily="49" charset="0"/>
-              </a:rPr>
-              <a:t>};</a:t>
-            </a:r>
-          </a:p>
-          <a:p>
-            <a:endParaRPr lang="en-DE" sz="1000" dirty="0">
-              <a:latin typeface="Consolas" panose="020B0609020204030204" pitchFamily="49" charset="0"/>
-              <a:cs typeface="Consolas" panose="020B0609020204030204" pitchFamily="49" charset="0"/>
-            </a:endParaRPr>
-          </a:p>
-          <a:p>
-            <a:r>
-              <a:rPr lang="en-DE" sz="1000" b="1" dirty="0">
-                <a:cs typeface="Consolas" panose="020B0609020204030204" pitchFamily="49" charset="0"/>
-              </a:rPr>
-              <a:t>File: </a:t>
-            </a:r>
-            <a:r>
-              <a:rPr lang="en-GB" sz="1000" b="1" dirty="0">
-                <a:cs typeface="Consolas" panose="020B0609020204030204" pitchFamily="49" charset="0"/>
-              </a:rPr>
-              <a:t>/var/cache/bind/</a:t>
-            </a:r>
-            <a:r>
-              <a:rPr lang="en-GB" sz="1000" b="1" dirty="0" err="1">
-                <a:cs typeface="Consolas" panose="020B0609020204030204" pitchFamily="49" charset="0"/>
-              </a:rPr>
-              <a:t>db.cloud.dhbw-mannheim.de</a:t>
-            </a:r>
-            <a:endParaRPr lang="en-DE" sz="1000" b="1" dirty="0">
-              <a:cs typeface="Consolas" panose="020B0609020204030204" pitchFamily="49" charset="0"/>
-            </a:endParaRPr>
-          </a:p>
-          <a:p>
-            <a:endParaRPr lang="en-DE" sz="1000" dirty="0">
-              <a:latin typeface="Consolas" panose="020B0609020204030204" pitchFamily="49" charset="0"/>
-              <a:cs typeface="Consolas" panose="020B0609020204030204" pitchFamily="49" charset="0"/>
-            </a:endParaRPr>
-          </a:p>
-          <a:p>
-            <a:r>
-              <a:rPr lang="en-GB" sz="1000" dirty="0">
-                <a:latin typeface="Consolas" panose="020B0609020204030204" pitchFamily="49" charset="0"/>
-                <a:cs typeface="Consolas" panose="020B0609020204030204" pitchFamily="49" charset="0"/>
-              </a:rPr>
-              <a:t>$ORIGIN .</a:t>
-            </a:r>
-          </a:p>
-          <a:p>
-            <a:r>
-              <a:rPr lang="en-GB" sz="1000" dirty="0">
-                <a:latin typeface="Consolas" panose="020B0609020204030204" pitchFamily="49" charset="0"/>
-                <a:cs typeface="Consolas" panose="020B0609020204030204" pitchFamily="49" charset="0"/>
-              </a:rPr>
-              <a:t>$TTL 60	; 1 minute</a:t>
-            </a:r>
-          </a:p>
-          <a:p>
-            <a:r>
-              <a:rPr lang="en-GB" sz="1000" dirty="0" err="1">
-                <a:latin typeface="Consolas" panose="020B0609020204030204" pitchFamily="49" charset="0"/>
-                <a:cs typeface="Consolas" panose="020B0609020204030204" pitchFamily="49" charset="0"/>
-              </a:rPr>
-              <a:t>cloud.dhbw-mannheim.de</a:t>
-            </a:r>
-            <a:r>
-              <a:rPr lang="en-GB" sz="1000" dirty="0">
-                <a:latin typeface="Consolas" panose="020B0609020204030204" pitchFamily="49" charset="0"/>
-                <a:cs typeface="Consolas" panose="020B0609020204030204" pitchFamily="49" charset="0"/>
-              </a:rPr>
-              <a:t>	IN SOA	</a:t>
-            </a:r>
-            <a:r>
-              <a:rPr lang="en-GB" sz="1000" dirty="0" err="1">
-                <a:latin typeface="Consolas" panose="020B0609020204030204" pitchFamily="49" charset="0"/>
-                <a:cs typeface="Consolas" panose="020B0609020204030204" pitchFamily="49" charset="0"/>
-              </a:rPr>
-              <a:t>cloud.dhbw-mannheim.de</a:t>
-            </a:r>
-            <a:r>
-              <a:rPr lang="en-GB" sz="1000" dirty="0">
-                <a:latin typeface="Consolas" panose="020B0609020204030204" pitchFamily="49" charset="0"/>
-                <a:cs typeface="Consolas" panose="020B0609020204030204" pitchFamily="49" charset="0"/>
-              </a:rPr>
-              <a:t>. </a:t>
-            </a:r>
-            <a:r>
-              <a:rPr lang="en-GB" sz="1000" dirty="0" err="1">
-                <a:latin typeface="Consolas" panose="020B0609020204030204" pitchFamily="49" charset="0"/>
-                <a:cs typeface="Consolas" panose="020B0609020204030204" pitchFamily="49" charset="0"/>
-              </a:rPr>
-              <a:t>admin.dhbw-mannheim.de</a:t>
-            </a:r>
-            <a:r>
-              <a:rPr lang="en-GB" sz="1000" dirty="0">
-                <a:latin typeface="Consolas" panose="020B0609020204030204" pitchFamily="49" charset="0"/>
-                <a:cs typeface="Consolas" panose="020B0609020204030204" pitchFamily="49" charset="0"/>
-              </a:rPr>
-              <a:t>. (</a:t>
-            </a:r>
-          </a:p>
-          <a:p>
-            <a:r>
-              <a:rPr lang="en-GB" sz="1000" dirty="0">
-                <a:latin typeface="Consolas" panose="020B0609020204030204" pitchFamily="49" charset="0"/>
-                <a:cs typeface="Consolas" panose="020B0609020204030204" pitchFamily="49" charset="0"/>
-              </a:rPr>
-              <a:t>				194        ; serial</a:t>
-            </a:r>
-          </a:p>
-          <a:p>
-            <a:r>
-              <a:rPr lang="en-GB" sz="1000" dirty="0">
-                <a:latin typeface="Consolas" panose="020B0609020204030204" pitchFamily="49" charset="0"/>
-                <a:cs typeface="Consolas" panose="020B0609020204030204" pitchFamily="49" charset="0"/>
-              </a:rPr>
-              <a:t>				60         ; refresh (1 minute)</a:t>
-            </a:r>
-          </a:p>
-          <a:p>
-            <a:r>
-              <a:rPr lang="en-GB" sz="1000" dirty="0">
-                <a:latin typeface="Consolas" panose="020B0609020204030204" pitchFamily="49" charset="0"/>
-                <a:cs typeface="Consolas" panose="020B0609020204030204" pitchFamily="49" charset="0"/>
-              </a:rPr>
-              <a:t>				60         ; retry (1 minute)</a:t>
-            </a:r>
-          </a:p>
-          <a:p>
-            <a:r>
-              <a:rPr lang="en-GB" sz="1000" dirty="0">
-                <a:latin typeface="Consolas" panose="020B0609020204030204" pitchFamily="49" charset="0"/>
-                <a:cs typeface="Consolas" panose="020B0609020204030204" pitchFamily="49" charset="0"/>
-              </a:rPr>
-              <a:t>				600        ; expire (10 minutes)</a:t>
-            </a:r>
-          </a:p>
-          <a:p>
-            <a:r>
-              <a:rPr lang="en-GB" sz="1000" dirty="0">
-                <a:latin typeface="Consolas" panose="020B0609020204030204" pitchFamily="49" charset="0"/>
-                <a:cs typeface="Consolas" panose="020B0609020204030204" pitchFamily="49" charset="0"/>
-              </a:rPr>
-              <a:t>				60         ; minimum (1 minute)</a:t>
-            </a:r>
-          </a:p>
-          <a:p>
-            <a:r>
-              <a:rPr lang="en-GB" sz="1000" dirty="0">
-                <a:latin typeface="Consolas" panose="020B0609020204030204" pitchFamily="49" charset="0"/>
-                <a:cs typeface="Consolas" panose="020B0609020204030204" pitchFamily="49" charset="0"/>
-              </a:rPr>
-              <a:t>				)</a:t>
-            </a:r>
-          </a:p>
-          <a:p>
-            <a:r>
-              <a:rPr lang="en-GB" sz="1000" dirty="0">
-                <a:latin typeface="Consolas" panose="020B0609020204030204" pitchFamily="49" charset="0"/>
-                <a:cs typeface="Consolas" panose="020B0609020204030204" pitchFamily="49" charset="0"/>
-              </a:rPr>
-              <a:t>			NS	cloud-</a:t>
-            </a:r>
-            <a:r>
-              <a:rPr lang="en-GB" sz="1000" dirty="0" err="1">
-                <a:latin typeface="Consolas" panose="020B0609020204030204" pitchFamily="49" charset="0"/>
-                <a:cs typeface="Consolas" panose="020B0609020204030204" pitchFamily="49" charset="0"/>
-              </a:rPr>
-              <a:t>ns.dhbw</a:t>
-            </a:r>
-            <a:r>
-              <a:rPr lang="en-GB" sz="1000" dirty="0">
-                <a:latin typeface="Consolas" panose="020B0609020204030204" pitchFamily="49" charset="0"/>
-                <a:cs typeface="Consolas" panose="020B0609020204030204" pitchFamily="49" charset="0"/>
-              </a:rPr>
-              <a:t>-</a:t>
-            </a:r>
-            <a:r>
-              <a:rPr lang="en-GB" sz="1000" dirty="0" err="1">
-                <a:latin typeface="Consolas" panose="020B0609020204030204" pitchFamily="49" charset="0"/>
-                <a:cs typeface="Consolas" panose="020B0609020204030204" pitchFamily="49" charset="0"/>
-              </a:rPr>
-              <a:t>mannheim.de</a:t>
-            </a:r>
-            <a:r>
-              <a:rPr lang="en-GB" sz="1000" dirty="0">
-                <a:latin typeface="Consolas" panose="020B0609020204030204" pitchFamily="49" charset="0"/>
-                <a:cs typeface="Consolas" panose="020B0609020204030204" pitchFamily="49" charset="0"/>
-              </a:rPr>
-              <a:t>.</a:t>
-            </a:r>
-          </a:p>
-          <a:p>
-            <a:endParaRPr lang="en-GB" sz="1000" dirty="0">
-              <a:latin typeface="Consolas" panose="020B0609020204030204" pitchFamily="49" charset="0"/>
-              <a:cs typeface="Consolas" panose="020B0609020204030204" pitchFamily="49" charset="0"/>
-            </a:endParaRPr>
-          </a:p>
-          <a:p>
-            <a:r>
-              <a:rPr lang="en-GB" sz="1000" dirty="0">
-                <a:latin typeface="Consolas" panose="020B0609020204030204" pitchFamily="49" charset="0"/>
-                <a:cs typeface="Consolas" panose="020B0609020204030204" pitchFamily="49" charset="0"/>
-              </a:rPr>
-              <a:t>user IN NS </a:t>
-            </a:r>
-            <a:r>
-              <a:rPr lang="en-GB" sz="1000" dirty="0" err="1">
-                <a:latin typeface="Consolas" panose="020B0609020204030204" pitchFamily="49" charset="0"/>
-                <a:cs typeface="Consolas" panose="020B0609020204030204" pitchFamily="49" charset="0"/>
-              </a:rPr>
-              <a:t>dyn-ns.dhbw-mannheim.de</a:t>
-            </a:r>
-            <a:r>
-              <a:rPr lang="en-GB" sz="1000">
-                <a:latin typeface="Consolas" panose="020B0609020204030204" pitchFamily="49" charset="0"/>
-                <a:cs typeface="Consolas" panose="020B0609020204030204" pitchFamily="49" charset="0"/>
-              </a:rPr>
-              <a:t>.</a:t>
-            </a:r>
-            <a:endParaRPr lang="en-GB" sz="1000" dirty="0">
-              <a:latin typeface="Consolas" panose="020B0609020204030204" pitchFamily="49" charset="0"/>
-              <a:cs typeface="Consolas" panose="020B0609020204030204" pitchFamily="49" charset="0"/>
-            </a:endParaRPr>
-          </a:p>
-          <a:p>
-            <a:r>
-              <a:rPr lang="en-GB" sz="1000" dirty="0">
-                <a:latin typeface="Consolas" panose="020B0609020204030204" pitchFamily="49" charset="0"/>
-                <a:cs typeface="Consolas" panose="020B0609020204030204" pitchFamily="49" charset="0"/>
-              </a:rPr>
-              <a:t>; </a:t>
-            </a:r>
-            <a:r>
-              <a:rPr lang="en-GB" sz="1000" dirty="0" err="1">
-                <a:latin typeface="Consolas" panose="020B0609020204030204" pitchFamily="49" charset="0"/>
-                <a:cs typeface="Consolas" panose="020B0609020204030204" pitchFamily="49" charset="0"/>
-              </a:rPr>
-              <a:t>dyn</a:t>
-            </a:r>
-            <a:r>
-              <a:rPr lang="en-GB" sz="1000" dirty="0">
-                <a:latin typeface="Consolas" panose="020B0609020204030204" pitchFamily="49" charset="0"/>
-                <a:cs typeface="Consolas" panose="020B0609020204030204" pitchFamily="49" charset="0"/>
-              </a:rPr>
-              <a:t>-ns “A” entry created by downstream server via RFC2136</a:t>
-            </a:r>
-            <a:endParaRPr lang="en-DE" sz="1000" dirty="0">
-              <a:latin typeface="Consolas" panose="020B0609020204030204" pitchFamily="49" charset="0"/>
-              <a:cs typeface="Consolas" panose="020B0609020204030204" pitchFamily="49" charset="0"/>
-            </a:endParaRPr>
-          </a:p>
-          <a:p>
-            <a:endParaRPr lang="en-DE" sz="1000" dirty="0">
-              <a:latin typeface="Consolas" panose="020B0609020204030204" pitchFamily="49" charset="0"/>
-              <a:cs typeface="Consolas" panose="020B0609020204030204" pitchFamily="49" charset="0"/>
-            </a:endParaRPr>
-          </a:p>
-        </p:txBody>
-      </p:sp>
-      <p:sp>
-        <p:nvSpPr>
-          <p:cNvPr id="77" name="Rectangle 76">
-            <a:extLst>
-              <a:ext uri="{FF2B5EF4-FFF2-40B4-BE49-F238E27FC236}">
-                <a16:creationId xmlns:a16="http://schemas.microsoft.com/office/drawing/2014/main" id="{B365903E-7E1C-C94E-8A1C-5E406706EEAB}"/>
-              </a:ext>
-            </a:extLst>
-          </p:cNvPr>
-          <p:cNvSpPr/>
-          <p:nvPr/>
-        </p:nvSpPr>
-        <p:spPr>
-          <a:xfrm>
-            <a:off x="1514525" y="7931642"/>
-            <a:ext cx="4945746" cy="400110"/>
-          </a:xfrm>
-          <a:prstGeom prst="rect">
-            <a:avLst/>
-          </a:prstGeom>
-        </p:spPr>
-        <p:txBody>
-          <a:bodyPr wrap="square">
-            <a:spAutoFit/>
-          </a:bodyPr>
-          <a:lstStyle/>
-          <a:p>
-            <a:r>
-              <a:rPr lang="en-GB" sz="1000" dirty="0"/>
-              <a:t>cloud IN NS cloud-</a:t>
-            </a:r>
-            <a:r>
-              <a:rPr lang="en-GB" sz="1000" dirty="0" err="1"/>
-              <a:t>ns.dhbw</a:t>
-            </a:r>
-            <a:r>
-              <a:rPr lang="en-GB" sz="1000" dirty="0"/>
-              <a:t>-</a:t>
-            </a:r>
-            <a:r>
-              <a:rPr lang="en-GB" sz="1000" dirty="0" err="1"/>
-              <a:t>mannheim.de</a:t>
-            </a:r>
-            <a:r>
-              <a:rPr lang="en-GB" sz="1000" dirty="0"/>
-              <a:t>.</a:t>
-            </a:r>
-          </a:p>
-          <a:p>
-            <a:r>
-              <a:rPr lang="en-GB" sz="1000" dirty="0"/>
-              <a:t>cloud-ns IN A 141.72.191.62</a:t>
-            </a:r>
-          </a:p>
-        </p:txBody>
-      </p:sp>
-      <p:cxnSp>
-        <p:nvCxnSpPr>
-          <p:cNvPr id="78" name="Straight Arrow Connector 77">
-            <a:extLst>
-              <a:ext uri="{FF2B5EF4-FFF2-40B4-BE49-F238E27FC236}">
-                <a16:creationId xmlns:a16="http://schemas.microsoft.com/office/drawing/2014/main" id="{D902688C-51CE-3F40-927D-95D71F3EE5E7}"/>
-              </a:ext>
-            </a:extLst>
-          </p:cNvPr>
-          <p:cNvCxnSpPr>
-            <a:cxnSpLocks/>
-            <a:stCxn id="31" idx="2"/>
-            <a:endCxn id="83" idx="0"/>
-          </p:cNvCxnSpPr>
-          <p:nvPr/>
-        </p:nvCxnSpPr>
-        <p:spPr>
-          <a:xfrm>
-            <a:off x="1514524" y="7762685"/>
-            <a:ext cx="0" cy="1025714"/>
-          </a:xfrm>
-          <a:prstGeom prst="straightConnector1">
-            <a:avLst/>
-          </a:prstGeom>
-          <a:ln>
-            <a:solidFill>
-              <a:schemeClr val="tx1">
-                <a:lumMod val="75000"/>
-                <a:lumOff val="25000"/>
-              </a:schemeClr>
-            </a:solidFill>
-            <a:tailEnd type="triangle"/>
-          </a:ln>
-        </p:spPr>
-        <p:style>
-          <a:lnRef idx="1">
-            <a:schemeClr val="accent1"/>
-          </a:lnRef>
-          <a:fillRef idx="0">
-            <a:schemeClr val="accent1"/>
-          </a:fillRef>
-          <a:effectRef idx="0">
-            <a:schemeClr val="accent1"/>
-          </a:effectRef>
-          <a:fontRef idx="minor">
-            <a:schemeClr val="tx1"/>
-          </a:fontRef>
-        </p:style>
-      </p:cxnSp>
-      <p:sp>
-        <p:nvSpPr>
-          <p:cNvPr id="83" name="Rounded Rectangle 82">
-            <a:extLst>
-              <a:ext uri="{FF2B5EF4-FFF2-40B4-BE49-F238E27FC236}">
-                <a16:creationId xmlns:a16="http://schemas.microsoft.com/office/drawing/2014/main" id="{6F0DD6DC-0755-DC4A-AD46-C54972B3E55C}"/>
-              </a:ext>
-            </a:extLst>
-          </p:cNvPr>
-          <p:cNvSpPr/>
-          <p:nvPr/>
-        </p:nvSpPr>
-        <p:spPr>
-          <a:xfrm>
-            <a:off x="138333" y="8788399"/>
-            <a:ext cx="2752381" cy="594398"/>
+            <a:off x="485100" y="4372908"/>
+            <a:ext cx="1027776" cy="941830"/>
           </a:xfrm>
           <a:prstGeom prst="roundRect">
             <a:avLst/>
           </a:prstGeom>
           <a:solidFill>
-            <a:schemeClr val="bg1">
-              <a:lumMod val="85000"/>
-            </a:schemeClr>
+            <a:srgbClr val="C00000"/>
           </a:solidFill>
           <a:ln>
             <a:solidFill>
@@ -4403,41 +3881,539 @@
           <a:bodyPr rtlCol="0" anchor="ctr"/>
           <a:lstStyle/>
           <a:p>
+            <a:pPr algn="ctr">
+              <a:lnSpc>
+                <a:spcPct val="150000"/>
+              </a:lnSpc>
+            </a:pPr>
+            <a:r>
+              <a:rPr lang="en-GB" sz="1000" b="1" dirty="0">
+                <a:solidFill>
+                  <a:schemeClr val="bg1"/>
+                </a:solidFill>
+              </a:rPr>
+              <a:t>Upstream </a:t>
+            </a:r>
+          </a:p>
+          <a:p>
+            <a:pPr algn="ctr">
+              <a:lnSpc>
+                <a:spcPct val="150000"/>
+              </a:lnSpc>
+            </a:pPr>
+            <a:r>
+              <a:rPr lang="en-GB" sz="1000" b="1" dirty="0">
+                <a:solidFill>
+                  <a:schemeClr val="bg1"/>
+                </a:solidFill>
+              </a:rPr>
+              <a:t>DNS</a:t>
+            </a:r>
+          </a:p>
+          <a:p>
+            <a:pPr algn="ctr">
+              <a:lnSpc>
+                <a:spcPct val="150000"/>
+              </a:lnSpc>
+            </a:pPr>
+            <a:r>
+              <a:rPr lang="en-GB" sz="1000" b="1" dirty="0">
+                <a:solidFill>
+                  <a:schemeClr val="bg1"/>
+                </a:solidFill>
+              </a:rPr>
+              <a:t>updates</a:t>
+            </a:r>
+          </a:p>
+        </p:txBody>
+      </p:sp>
+      <p:sp>
+        <p:nvSpPr>
+          <p:cNvPr id="36" name="Rounded Rectangle 35">
+            <a:extLst>
+              <a:ext uri="{FF2B5EF4-FFF2-40B4-BE49-F238E27FC236}">
+                <a16:creationId xmlns:a16="http://schemas.microsoft.com/office/drawing/2014/main" id="{8863BD54-8AC8-0D5A-EE6D-E432C0228D76}"/>
+              </a:ext>
+            </a:extLst>
+          </p:cNvPr>
+          <p:cNvSpPr/>
+          <p:nvPr/>
+        </p:nvSpPr>
+        <p:spPr>
+          <a:xfrm>
+            <a:off x="1767145" y="4372908"/>
+            <a:ext cx="1027776" cy="941830"/>
+          </a:xfrm>
+          <a:prstGeom prst="roundRect">
+            <a:avLst/>
+          </a:prstGeom>
+          <a:solidFill>
+            <a:srgbClr val="C00000"/>
+          </a:solidFill>
+          <a:ln>
+            <a:solidFill>
+              <a:schemeClr val="tx1">
+                <a:lumMod val="75000"/>
+                <a:lumOff val="25000"/>
+              </a:schemeClr>
+            </a:solidFill>
+          </a:ln>
+        </p:spPr>
+        <p:style>
+          <a:lnRef idx="2">
+            <a:schemeClr val="accent1">
+              <a:shade val="50000"/>
+            </a:schemeClr>
+          </a:lnRef>
+          <a:fillRef idx="1">
+            <a:schemeClr val="accent1"/>
+          </a:fillRef>
+          <a:effectRef idx="0">
+            <a:schemeClr val="accent1"/>
+          </a:effectRef>
+          <a:fontRef idx="minor">
+            <a:schemeClr val="lt1"/>
+          </a:fontRef>
+        </p:style>
+        <p:txBody>
+          <a:bodyPr rtlCol="0" anchor="ctr"/>
+          <a:lstStyle/>
+          <a:p>
+            <a:pPr algn="ctr">
+              <a:lnSpc>
+                <a:spcPct val="150000"/>
+              </a:lnSpc>
+            </a:pPr>
+            <a:r>
+              <a:rPr lang="en-GB" sz="1000" b="1" dirty="0">
+                <a:solidFill>
+                  <a:schemeClr val="bg1"/>
+                </a:solidFill>
+              </a:rPr>
+              <a:t>Dynamically configured DNS server</a:t>
+            </a:r>
+          </a:p>
+        </p:txBody>
+      </p:sp>
+      <p:sp>
+        <p:nvSpPr>
+          <p:cNvPr id="39" name="TextBox 38">
+            <a:extLst>
+              <a:ext uri="{FF2B5EF4-FFF2-40B4-BE49-F238E27FC236}">
+                <a16:creationId xmlns:a16="http://schemas.microsoft.com/office/drawing/2014/main" id="{D458BC81-1CE5-417C-AC7E-79C58D4F4AD2}"/>
+              </a:ext>
+            </a:extLst>
+          </p:cNvPr>
+          <p:cNvSpPr txBox="1"/>
+          <p:nvPr/>
+        </p:nvSpPr>
+        <p:spPr>
+          <a:xfrm>
+            <a:off x="1077684" y="3672491"/>
+            <a:ext cx="4380433" cy="430887"/>
+          </a:xfrm>
+          <a:prstGeom prst="rect">
+            <a:avLst/>
+          </a:prstGeom>
+          <a:noFill/>
+        </p:spPr>
+        <p:txBody>
+          <a:bodyPr wrap="square">
+            <a:spAutoFit/>
+          </a:bodyPr>
+          <a:lstStyle/>
+          <a:p>
+            <a:pPr marL="0" marR="0" lvl="0" indent="0" algn="l" defTabSz="914400" rtl="0" eaLnBrk="1" fontAlgn="base" latinLnBrk="0" hangingPunct="1">
+              <a:lnSpc>
+                <a:spcPct val="100000"/>
+              </a:lnSpc>
+              <a:spcBef>
+                <a:spcPct val="0"/>
+              </a:spcBef>
+              <a:spcAft>
+                <a:spcPct val="0"/>
+              </a:spcAft>
+              <a:buClrTx/>
+              <a:buSzTx/>
+              <a:buFontTx/>
+              <a:buNone/>
+              <a:tabLst/>
+              <a:defRPr/>
+            </a:pPr>
+            <a:r>
+              <a:rPr kumimoji="0" lang="en-GB" sz="1100" b="0" i="0" u="none" strike="noStrike" kern="1200" cap="none" spc="0" normalizeH="0" baseline="0" dirty="0">
+                <a:ln>
+                  <a:noFill/>
+                </a:ln>
+                <a:solidFill>
+                  <a:srgbClr val="000000"/>
+                </a:solidFill>
+                <a:effectLst/>
+                <a:uLnTx/>
+                <a:uFillTx/>
+                <a:latin typeface="Arial"/>
+                <a:ea typeface="ＭＳ Ｐゴシック" charset="0"/>
+              </a:rPr>
+              <a:t>Automatically configures upstream DNS server to use this server as DNS server (using “kind: </a:t>
+            </a:r>
+            <a:r>
+              <a:rPr kumimoji="0" lang="en-GB" sz="1100" b="0" i="0" u="none" strike="noStrike" kern="1200" cap="none" spc="0" normalizeH="0" baseline="0" dirty="0" err="1">
+                <a:ln>
+                  <a:noFill/>
+                </a:ln>
+                <a:solidFill>
+                  <a:srgbClr val="000000"/>
+                </a:solidFill>
+                <a:effectLst/>
+                <a:uLnTx/>
+                <a:uFillTx/>
+                <a:latin typeface="Arial"/>
+                <a:ea typeface="ＭＳ Ｐゴシック" charset="0"/>
+              </a:rPr>
+              <a:t>DnsUpdate</a:t>
+            </a:r>
+            <a:r>
+              <a:rPr kumimoji="0" lang="en-GB" sz="1100" b="0" i="0" u="none" strike="noStrike" kern="1200" cap="none" spc="0" normalizeH="0" baseline="0" dirty="0">
+                <a:ln>
+                  <a:noFill/>
+                </a:ln>
+                <a:solidFill>
+                  <a:srgbClr val="000000"/>
+                </a:solidFill>
+                <a:effectLst/>
+                <a:uLnTx/>
+                <a:uFillTx/>
+                <a:latin typeface="Arial"/>
+                <a:ea typeface="ＭＳ Ｐゴシック" charset="0"/>
+              </a:rPr>
+              <a:t>” custom resources)</a:t>
+            </a:r>
+          </a:p>
+        </p:txBody>
+      </p:sp>
+      <p:sp>
+        <p:nvSpPr>
+          <p:cNvPr id="41" name="Left Arrow 40">
+            <a:extLst>
+              <a:ext uri="{FF2B5EF4-FFF2-40B4-BE49-F238E27FC236}">
+                <a16:creationId xmlns:a16="http://schemas.microsoft.com/office/drawing/2014/main" id="{A0FD57FA-AD09-C55E-F246-319B0EC17E40}"/>
+              </a:ext>
+            </a:extLst>
+          </p:cNvPr>
+          <p:cNvSpPr/>
+          <p:nvPr/>
+        </p:nvSpPr>
+        <p:spPr>
+          <a:xfrm>
+            <a:off x="3129699" y="1300911"/>
+            <a:ext cx="490194" cy="301991"/>
+          </a:xfrm>
+          <a:prstGeom prst="leftArrow">
+            <a:avLst/>
+          </a:prstGeom>
+          <a:solidFill>
+            <a:schemeClr val="tx1"/>
+          </a:solidFill>
+        </p:spPr>
+        <p:style>
+          <a:lnRef idx="2">
+            <a:schemeClr val="accent1">
+              <a:shade val="15000"/>
+            </a:schemeClr>
+          </a:lnRef>
+          <a:fillRef idx="1">
+            <a:schemeClr val="accent1"/>
+          </a:fillRef>
+          <a:effectRef idx="0">
+            <a:schemeClr val="accent1"/>
+          </a:effectRef>
+          <a:fontRef idx="minor">
+            <a:schemeClr val="lt1"/>
+          </a:fontRef>
+        </p:style>
+        <p:txBody>
+          <a:bodyPr rtlCol="0" anchor="ctr"/>
+          <a:lstStyle/>
+          <a:p>
             <a:pPr algn="ctr"/>
-            <a:r>
-              <a:rPr lang="en-DE" sz="1000" dirty="0">
-                <a:solidFill>
-                  <a:schemeClr val="tx1"/>
-                </a:solidFill>
+            <a:endParaRPr lang="en-DE"/>
+          </a:p>
+        </p:txBody>
+      </p:sp>
+      <p:sp>
+        <p:nvSpPr>
+          <p:cNvPr id="42" name="TextBox 41">
+            <a:extLst>
+              <a:ext uri="{FF2B5EF4-FFF2-40B4-BE49-F238E27FC236}">
+                <a16:creationId xmlns:a16="http://schemas.microsoft.com/office/drawing/2014/main" id="{C137AD09-3A9E-D3CF-EAE6-A9833404B4BB}"/>
+              </a:ext>
+            </a:extLst>
+          </p:cNvPr>
+          <p:cNvSpPr txBox="1"/>
+          <p:nvPr/>
+        </p:nvSpPr>
+        <p:spPr>
+          <a:xfrm>
+            <a:off x="3689441" y="4289825"/>
+            <a:ext cx="2579605" cy="1107996"/>
+          </a:xfrm>
+          <a:prstGeom prst="rect">
+            <a:avLst/>
+          </a:prstGeom>
+          <a:noFill/>
+        </p:spPr>
+        <p:txBody>
+          <a:bodyPr wrap="square">
+            <a:spAutoFit/>
+          </a:bodyPr>
+          <a:lstStyle/>
+          <a:p>
+            <a:pPr marL="0" marR="0" lvl="0" indent="0" algn="l" defTabSz="914400" rtl="0" eaLnBrk="1" fontAlgn="base" latinLnBrk="0" hangingPunct="1">
+              <a:lnSpc>
+                <a:spcPct val="100000"/>
+              </a:lnSpc>
+              <a:spcBef>
+                <a:spcPct val="0"/>
+              </a:spcBef>
+              <a:spcAft>
+                <a:spcPct val="0"/>
+              </a:spcAft>
+              <a:buClrTx/>
+              <a:buSzTx/>
+              <a:buFontTx/>
+              <a:buNone/>
+              <a:tabLst/>
+              <a:defRPr/>
+            </a:pPr>
+            <a:r>
+              <a:rPr kumimoji="0" lang="en-GB" sz="1100" b="0" i="0" u="none" strike="noStrike" kern="1200" cap="none" spc="0" normalizeH="0" baseline="0" dirty="0">
+                <a:ln>
+                  <a:noFill/>
+                </a:ln>
+                <a:solidFill>
+                  <a:srgbClr val="000000"/>
+                </a:solidFill>
+                <a:effectLst/>
+                <a:uLnTx/>
+                <a:uFillTx/>
+                <a:latin typeface="Arial"/>
+                <a:ea typeface="ＭＳ Ｐゴシック" charset="0"/>
               </a:rPr>
-              <a:t>User-operated zones updated using RFC2136</a:t>
-            </a:r>
-          </a:p>
+              <a:t>Provides dynamically generated DNS zones based on Kubernetes custom resources (”kind: </a:t>
+            </a:r>
+            <a:r>
+              <a:rPr kumimoji="0" lang="en-GB" sz="1100" b="0" i="0" u="none" strike="noStrike" kern="1200" cap="none" spc="0" normalizeH="0" baseline="0" dirty="0" err="1">
+                <a:ln>
+                  <a:noFill/>
+                </a:ln>
+                <a:solidFill>
+                  <a:srgbClr val="000000"/>
+                </a:solidFill>
+                <a:effectLst/>
+                <a:uLnTx/>
+                <a:uFillTx/>
+                <a:latin typeface="Arial"/>
+                <a:ea typeface="ＭＳ Ｐゴシック" charset="0"/>
+              </a:rPr>
+              <a:t>DnssecZone</a:t>
+            </a:r>
+            <a:r>
+              <a:rPr kumimoji="0" lang="en-GB" sz="1100" b="0" i="0" u="none" strike="noStrike" kern="1200" cap="none" spc="0" normalizeH="0" baseline="0" dirty="0">
+                <a:ln>
+                  <a:noFill/>
+                </a:ln>
+                <a:solidFill>
+                  <a:srgbClr val="000000"/>
+                </a:solidFill>
+                <a:effectLst/>
+                <a:uLnTx/>
+                <a:uFillTx/>
+                <a:latin typeface="Arial"/>
+                <a:ea typeface="ＭＳ Ｐゴシック" charset="0"/>
+              </a:rPr>
+              <a:t>”)</a:t>
+            </a:r>
+          </a:p>
+          <a:p>
+            <a:pPr marL="0" marR="0" lvl="0" indent="0" algn="l" defTabSz="914400" rtl="0" eaLnBrk="1" fontAlgn="base" latinLnBrk="0" hangingPunct="1">
+              <a:lnSpc>
+                <a:spcPct val="100000"/>
+              </a:lnSpc>
+              <a:spcBef>
+                <a:spcPct val="0"/>
+              </a:spcBef>
+              <a:spcAft>
+                <a:spcPct val="0"/>
+              </a:spcAft>
+              <a:buClrTx/>
+              <a:buSzTx/>
+              <a:buFontTx/>
+              <a:buNone/>
+              <a:tabLst/>
+              <a:defRPr/>
+            </a:pPr>
+            <a:endParaRPr lang="en-GB" sz="1100" dirty="0">
+              <a:solidFill>
+                <a:srgbClr val="000000"/>
+              </a:solidFill>
+              <a:latin typeface="Arial"/>
+              <a:ea typeface="ＭＳ Ｐゴシック" charset="0"/>
+            </a:endParaRPr>
+          </a:p>
+          <a:p>
+            <a:pPr marL="0" marR="0" lvl="0" indent="0" algn="l" defTabSz="914400" rtl="0" eaLnBrk="1" fontAlgn="base" latinLnBrk="0" hangingPunct="1">
+              <a:lnSpc>
+                <a:spcPct val="100000"/>
+              </a:lnSpc>
+              <a:spcBef>
+                <a:spcPct val="0"/>
+              </a:spcBef>
+              <a:spcAft>
+                <a:spcPct val="0"/>
+              </a:spcAft>
+              <a:buClrTx/>
+              <a:buSzTx/>
+              <a:buFontTx/>
+              <a:buNone/>
+              <a:tabLst/>
+              <a:defRPr/>
+            </a:pPr>
+            <a:r>
+              <a:rPr kumimoji="0" lang="en-GB" sz="1100" b="0" i="0" u="none" strike="noStrike" kern="1200" cap="none" spc="0" normalizeH="0" baseline="0" dirty="0">
+                <a:ln>
+                  <a:noFill/>
+                </a:ln>
+                <a:solidFill>
+                  <a:srgbClr val="000000"/>
+                </a:solidFill>
+                <a:effectLst/>
+                <a:uLnTx/>
+                <a:uFillTx/>
+                <a:latin typeface="Arial"/>
+                <a:ea typeface="ＭＳ Ｐゴシック" charset="0"/>
+              </a:rPr>
+              <a:t>Annotates key, </a:t>
+            </a:r>
+            <a:r>
+              <a:rPr kumimoji="0" lang="en-GB" sz="1100" b="0" i="0" u="none" strike="noStrike" kern="1200" cap="none" spc="0" normalizeH="0" baseline="0" dirty="0" err="1">
+                <a:ln>
+                  <a:noFill/>
+                </a:ln>
+                <a:solidFill>
+                  <a:srgbClr val="000000"/>
+                </a:solidFill>
+                <a:effectLst/>
+                <a:uLnTx/>
+                <a:uFillTx/>
+                <a:latin typeface="Arial"/>
+                <a:ea typeface="ＭＳ Ｐゴシック" charset="0"/>
+              </a:rPr>
+              <a:t>keytype</a:t>
+            </a:r>
+            <a:r>
+              <a:rPr kumimoji="0" lang="en-GB" sz="1100" b="0" i="0" u="none" strike="noStrike" kern="1200" cap="none" spc="0" normalizeH="0" baseline="0" dirty="0">
+                <a:ln>
+                  <a:noFill/>
+                </a:ln>
+                <a:solidFill>
+                  <a:srgbClr val="000000"/>
+                </a:solidFill>
+                <a:effectLst/>
+                <a:uLnTx/>
+                <a:uFillTx/>
+                <a:latin typeface="Arial"/>
+                <a:ea typeface="ＭＳ Ｐゴシック" charset="0"/>
+              </a:rPr>
+              <a:t> and </a:t>
+            </a:r>
+            <a:r>
+              <a:rPr kumimoji="0" lang="en-GB" sz="1100" b="0" i="0" u="none" strike="noStrike" kern="1200" cap="none" spc="0" normalizeH="0" baseline="0" dirty="0" err="1">
+                <a:ln>
+                  <a:noFill/>
+                </a:ln>
+                <a:solidFill>
+                  <a:srgbClr val="000000"/>
+                </a:solidFill>
+                <a:effectLst/>
+                <a:uLnTx/>
+                <a:uFillTx/>
+                <a:latin typeface="Arial"/>
+                <a:ea typeface="ＭＳ Ｐゴシック" charset="0"/>
+              </a:rPr>
+              <a:t>keyname</a:t>
+            </a:r>
+            <a:r>
+              <a:rPr kumimoji="0" lang="en-GB" sz="1100" b="0" i="0" u="none" strike="noStrike" kern="1200" cap="none" spc="0" normalizeH="0" baseline="0" dirty="0">
+                <a:ln>
+                  <a:noFill/>
+                </a:ln>
+                <a:solidFill>
+                  <a:srgbClr val="000000"/>
+                </a:solidFill>
+                <a:effectLst/>
+                <a:uLnTx/>
+                <a:uFillTx/>
+                <a:latin typeface="Arial"/>
+                <a:ea typeface="ＭＳ Ｐゴシック" charset="0"/>
+              </a:rPr>
+              <a:t> to the status of the custom resource.</a:t>
+            </a:r>
+          </a:p>
+        </p:txBody>
+      </p:sp>
+      <p:sp>
+        <p:nvSpPr>
+          <p:cNvPr id="43" name="Left Arrow 42">
+            <a:extLst>
+              <a:ext uri="{FF2B5EF4-FFF2-40B4-BE49-F238E27FC236}">
+                <a16:creationId xmlns:a16="http://schemas.microsoft.com/office/drawing/2014/main" id="{6175033B-0411-B839-D49D-5F8F2AFC7492}"/>
+              </a:ext>
+            </a:extLst>
+          </p:cNvPr>
+          <p:cNvSpPr/>
+          <p:nvPr/>
+        </p:nvSpPr>
+        <p:spPr>
+          <a:xfrm>
+            <a:off x="2830247" y="4692828"/>
+            <a:ext cx="695377" cy="301991"/>
+          </a:xfrm>
+          <a:prstGeom prst="leftArrow">
+            <a:avLst/>
+          </a:prstGeom>
+          <a:solidFill>
+            <a:schemeClr val="tx1"/>
+          </a:solidFill>
+        </p:spPr>
+        <p:style>
+          <a:lnRef idx="2">
+            <a:schemeClr val="accent1">
+              <a:shade val="15000"/>
+            </a:schemeClr>
+          </a:lnRef>
+          <a:fillRef idx="1">
+            <a:schemeClr val="accent1"/>
+          </a:fillRef>
+          <a:effectRef idx="0">
+            <a:schemeClr val="accent1"/>
+          </a:effectRef>
+          <a:fontRef idx="minor">
+            <a:schemeClr val="lt1"/>
+          </a:fontRef>
+        </p:style>
+        <p:txBody>
+          <a:bodyPr rtlCol="0" anchor="ctr"/>
+          <a:lstStyle/>
           <a:p>
             <a:pPr algn="ctr"/>
-            <a:endParaRPr lang="en-DE" sz="1000" dirty="0">
-              <a:solidFill>
-                <a:schemeClr val="tx1"/>
-              </a:solidFill>
-            </a:endParaRPr>
-          </a:p>
-          <a:p>
-            <a:pPr algn="ctr"/>
-            <a:r>
-              <a:rPr lang="en-DE" sz="1000" dirty="0">
-                <a:solidFill>
-                  <a:schemeClr val="tx1"/>
-                </a:solidFill>
-              </a:rPr>
-              <a:t>*.user.cloud.dhbw-mannheim.de</a:t>
-            </a:r>
+            <a:endParaRPr lang="en-DE"/>
           </a:p>
         </p:txBody>
       </p:sp>
     </p:spTree>
     <p:extLst>
       <p:ext uri="{BB962C8B-B14F-4D97-AF65-F5344CB8AC3E}">
-        <p14:creationId xmlns:p14="http://schemas.microsoft.com/office/powerpoint/2010/main" val="3018479527"/>
+        <p14:creationId xmlns:p14="http://schemas.microsoft.com/office/powerpoint/2010/main" val="1468067937"/>
       </p:ext>
     </p:extLst>
   </p:cSld>
